--- a/eece3170/f16/lectures/eece.3170f16_lec5_data_xfer.pptx
+++ b/eece3170/f16/lectures/eece.3170f16_lec5_data_xfer.pptx
@@ -5,10 +5,10 @@
     <p:sldMasterId id="2147483792" r:id="rId1"/>
   </p:sldMasterIdLst>
   <p:notesMasterIdLst>
-    <p:notesMasterId r:id="rId21"/>
+    <p:notesMasterId r:id="rId19"/>
   </p:notesMasterIdLst>
   <p:handoutMasterIdLst>
-    <p:handoutMasterId r:id="rId22"/>
+    <p:handoutMasterId r:id="rId20"/>
   </p:handoutMasterIdLst>
   <p:sldIdLst>
     <p:sldId id="256" r:id="rId2"/>
@@ -27,9 +27,7 @@
     <p:sldId id="453" r:id="rId15"/>
     <p:sldId id="454" r:id="rId16"/>
     <p:sldId id="455" r:id="rId17"/>
-    <p:sldId id="456" r:id="rId18"/>
-    <p:sldId id="457" r:id="rId19"/>
-    <p:sldId id="379" r:id="rId20"/>
+    <p:sldId id="379" r:id="rId18"/>
   </p:sldIdLst>
   <p:sldSz cx="9144000" cy="6858000" type="screen4x3"/>
   <p:notesSz cx="9144000" cy="6858000"/>
@@ -1282,7 +1280,7 @@
             <a:fld id="{D4056121-04F8-BF4E-8AC2-18F650BC8FCA}" type="datetime1">
               <a:rPr lang="en-US"/>
               <a:pPr/>
-              <a:t>9/12/16</a:t>
+              <a:t>9/14/16</a:t>
             </a:fld>
             <a:endParaRPr lang="en-US"/>
           </a:p>
@@ -1846,7 +1844,7 @@
             <a:fld id="{0497D933-93CD-4643-B01C-0C8158723276}" type="datetime1">
               <a:rPr lang="en-US"/>
               <a:pPr/>
-              <a:t>9/12/16</a:t>
+              <a:t>9/14/16</a:t>
             </a:fld>
             <a:endParaRPr lang="en-US"/>
           </a:p>
@@ -2410,7 +2408,7 @@
             <a:fld id="{ADD20E48-21D5-BD43-8B8D-F79BDA59AAEF}" type="datetime1">
               <a:rPr lang="en-US"/>
               <a:pPr/>
-              <a:t>9/12/16</a:t>
+              <a:t>9/14/16</a:t>
             </a:fld>
             <a:endParaRPr lang="en-US"/>
           </a:p>
@@ -3026,7 +3024,7 @@
           <a:p>
             <a:fld id="{67D32C7C-5B72-9D4D-94DC-8084AF9FD01E}" type="datetime1">
               <a:rPr lang="en-US" smtClean="0"/>
-              <a:t>9/12/16</a:t>
+              <a:t>9/14/16</a:t>
             </a:fld>
             <a:endParaRPr lang="en-US"/>
           </a:p>
@@ -3223,7 +3221,7 @@
           <a:p>
             <a:fld id="{E1ED0668-F26F-9844-9160-749021C93735}" type="datetime1">
               <a:rPr lang="en-US" smtClean="0"/>
-              <a:t>9/12/16</a:t>
+              <a:t>9/14/16</a:t>
             </a:fld>
             <a:endParaRPr lang="en-US"/>
           </a:p>
@@ -3429,7 +3427,7 @@
           <a:p>
             <a:fld id="{92D4A7C4-6494-C34D-BC2C-D3CF883D07A3}" type="datetime1">
               <a:rPr lang="en-US" smtClean="0"/>
-              <a:t>9/12/16</a:t>
+              <a:t>9/14/16</a:t>
             </a:fld>
             <a:endParaRPr lang="en-US"/>
           </a:p>
@@ -3692,7 +3690,7 @@
           <a:p>
             <a:fld id="{BE64894D-F631-774D-8B56-96DA8698BEBE}" type="datetime1">
               <a:rPr lang="en-US" smtClean="0"/>
-              <a:t>9/12/16</a:t>
+              <a:t>9/14/16</a:t>
             </a:fld>
             <a:endParaRPr lang="en-US"/>
           </a:p>
@@ -3955,7 +3953,7 @@
           <a:p>
             <a:fld id="{CC7D87D7-22F8-0646-AD39-5CA882CBAD54}" type="datetime1">
               <a:rPr lang="en-US" smtClean="0"/>
-              <a:t>9/12/16</a:t>
+              <a:t>9/14/16</a:t>
             </a:fld>
             <a:endParaRPr lang="en-US"/>
           </a:p>
@@ -4151,7 +4149,7 @@
           <a:p>
             <a:fld id="{0DD8EC0F-D49E-EA44-A585-A6A101172DBF}" type="datetime1">
               <a:rPr lang="en-US" smtClean="0"/>
-              <a:t>9/12/16</a:t>
+              <a:t>9/14/16</a:t>
             </a:fld>
             <a:endParaRPr lang="en-US"/>
           </a:p>
@@ -4369,7 +4367,7 @@
           <a:p>
             <a:fld id="{E2006841-2D67-C340-96F3-67657A4DE4B5}" type="datetime1">
               <a:rPr lang="en-US" smtClean="0"/>
-              <a:t>9/12/16</a:t>
+              <a:t>9/14/16</a:t>
             </a:fld>
             <a:endParaRPr lang="en-US"/>
           </a:p>
@@ -4683,7 +4681,7 @@
           <a:p>
             <a:fld id="{62381E46-7882-F047-A391-9CD9F251FEFD}" type="datetime1">
               <a:rPr lang="en-US" smtClean="0"/>
-              <a:t>9/12/16</a:t>
+              <a:t>9/14/16</a:t>
             </a:fld>
             <a:endParaRPr lang="en-US"/>
           </a:p>
@@ -5136,7 +5134,7 @@
           <a:p>
             <a:fld id="{44E6A0B2-2F1A-C241-93A9-460EB8E4CFB8}" type="datetime1">
               <a:rPr lang="en-US" smtClean="0"/>
-              <a:t>9/12/16</a:t>
+              <a:t>9/14/16</a:t>
             </a:fld>
             <a:endParaRPr lang="en-US"/>
           </a:p>
@@ -5280,7 +5278,7 @@
           <a:p>
             <a:fld id="{95C202F5-E712-754A-A8EA-BB92C2E34FBA}" type="datetime1">
               <a:rPr lang="en-US" smtClean="0"/>
-              <a:t>9/12/16</a:t>
+              <a:t>9/14/16</a:t>
             </a:fld>
             <a:endParaRPr lang="en-US"/>
           </a:p>
@@ -5401,7 +5399,7 @@
           <a:p>
             <a:fld id="{E175C440-B644-3347-B4AF-DC8E84178B13}" type="datetime1">
               <a:rPr lang="en-US" smtClean="0"/>
-              <a:t>9/12/16</a:t>
+              <a:t>9/14/16</a:t>
             </a:fld>
             <a:endParaRPr lang="en-US"/>
           </a:p>
@@ -5704,7 +5702,7 @@
           <a:p>
             <a:fld id="{30FC152B-472D-5446-AA28-3C7E812675BC}" type="datetime1">
               <a:rPr lang="en-US" smtClean="0"/>
-              <a:t>9/12/16</a:t>
+              <a:t>9/14/16</a:t>
             </a:fld>
             <a:endParaRPr lang="en-US"/>
           </a:p>
@@ -5984,7 +5982,7 @@
           <a:p>
             <a:fld id="{C893B24A-C4A2-7441-A69A-A1FC8F12E887}" type="datetime1">
               <a:rPr lang="en-US" smtClean="0"/>
-              <a:t>9/12/16</a:t>
+              <a:t>9/14/16</a:t>
             </a:fld>
             <a:endParaRPr lang="en-US"/>
           </a:p>
@@ -6283,7 +6281,7 @@
           <a:p>
             <a:fld id="{FA322695-A233-9A46-922D-629F9734A0F4}" type="datetime1">
               <a:rPr lang="en-US" smtClean="0"/>
-              <a:t>9/12/16</a:t>
+              <a:t>9/14/16</a:t>
             </a:fld>
             <a:endParaRPr lang="en-US"/>
           </a:p>
@@ -7584,7 +7582,7 @@
               <a:rPr lang="en-US" smtClean="0">
                 <a:latin typeface="Garamond" charset="0"/>
               </a:rPr>
-              <a:t>9/12/16</a:t>
+              <a:t>9/14/16</a:t>
             </a:fld>
             <a:endParaRPr lang="en-US">
               <a:latin typeface="Garamond" charset="0"/>
@@ -7905,12 +7903,9 @@
               <a:buChar char="n"/>
               <a:defRPr/>
             </a:pPr>
-            <a:r>
-              <a:rPr lang="en-US" dirty="0" smtClean="0">
-                <a:ea typeface="+mn-ea"/>
-              </a:rPr>
-              <a:t>Load full pointer</a:t>
-            </a:r>
+            <a:endParaRPr lang="en-US" dirty="0">
+              <a:ea typeface="+mn-ea"/>
+            </a:endParaRPr>
           </a:p>
           <a:p>
             <a:pPr>
@@ -7918,16 +7913,6 @@
               <a:buChar char="n"/>
               <a:defRPr/>
             </a:pPr>
-            <a:endParaRPr lang="en-US" dirty="0">
-              <a:ea typeface="+mn-ea"/>
-            </a:endParaRPr>
-          </a:p>
-          <a:p>
-            <a:pPr>
-              <a:buFont typeface="Wingdings" pitchFamily="2" charset="2"/>
-              <a:buChar char="n"/>
-              <a:defRPr/>
-            </a:pPr>
             <a:r>
               <a:rPr lang="en-US" dirty="0" smtClean="0">
                 <a:ea typeface="+mn-ea"/>
@@ -7943,7 +7928,7 @@
             </a:pPr>
             <a:r>
               <a:rPr lang="en-US" dirty="0" smtClean="0"/>
-              <a:t>PUSH/POP (stack transfers)</a:t>
+              <a:t>Load full pointer (segmented addressing)</a:t>
             </a:r>
           </a:p>
           <a:p>
@@ -7954,7 +7939,7 @@
             </a:pPr>
             <a:r>
               <a:rPr lang="en-US" dirty="0" smtClean="0"/>
-              <a:t>INS/OUTS (I/O)</a:t>
+              <a:t>PUSH/POP (stack transfers)</a:t>
             </a:r>
           </a:p>
           <a:p>
@@ -7965,7 +7950,7 @@
             </a:pPr>
             <a:r>
               <a:rPr lang="en-US" dirty="0" smtClean="0"/>
-              <a:t>MOVS/LODS/STOS (string instructions)</a:t>
+              <a:t>INS/OUTS (I/O)</a:t>
             </a:r>
           </a:p>
           <a:p>
@@ -7976,7 +7961,7 @@
             </a:pPr>
             <a:r>
               <a:rPr lang="en-US" dirty="0" smtClean="0"/>
-              <a:t>BSWAP (switch from little endian to big endian)</a:t>
+              <a:t>MOVS/LODS/STOS (string instructions)</a:t>
             </a:r>
           </a:p>
           <a:p>
@@ -7987,7 +7972,7 @@
             </a:pPr>
             <a:r>
               <a:rPr lang="en-US" dirty="0" smtClean="0"/>
-              <a:t>XLAT (table lookup)</a:t>
+              <a:t>BSWAP (switch from little endian to big endian)</a:t>
             </a:r>
           </a:p>
           <a:p>
@@ -7998,6 +7983,17 @@
             </a:pPr>
             <a:r>
               <a:rPr lang="en-US" dirty="0" smtClean="0"/>
+              <a:t>XLAT (table lookup)</a:t>
+            </a:r>
+          </a:p>
+          <a:p>
+            <a:pPr lvl="1">
+              <a:buFont typeface="Wingdings" pitchFamily="2" charset="2"/>
+              <a:buChar char="q"/>
+              <a:defRPr/>
+            </a:pPr>
+            <a:r>
+              <a:rPr lang="en-US" dirty="0" smtClean="0"/>
               <a:t>CMOV (conditional move)</a:t>
             </a:r>
           </a:p>
@@ -8138,7 +8134,7 @@
               <a:rPr lang="en-US" smtClean="0">
                 <a:latin typeface="Garamond" charset="0"/>
               </a:rPr>
-              <a:t>9/12/16</a:t>
+              <a:t>9/14/16</a:t>
             </a:fld>
             <a:endParaRPr lang="en-US">
               <a:latin typeface="Garamond" charset="0"/>
@@ -8466,11 +8462,7 @@
             </a:pPr>
             <a:r>
               <a:rPr lang="en-US" dirty="0" smtClean="0"/>
-              <a:t>Immediate </a:t>
-            </a:r>
-            <a:r>
-              <a:rPr lang="en-US" dirty="0" smtClean="0"/>
-              <a:t>value can only be used as source</a:t>
+              <a:t>Immediate value can only be used as source</a:t>
             </a:r>
           </a:p>
           <a:p>
@@ -8620,7 +8612,7 @@
               <a:rPr lang="en-US" smtClean="0">
                 <a:latin typeface="Garamond" charset="0"/>
               </a:rPr>
-              <a:t>9/12/16</a:t>
+              <a:t>9/14/16</a:t>
             </a:fld>
             <a:endParaRPr lang="en-US">
               <a:latin typeface="Garamond" charset="0"/>
@@ -8878,17 +8870,8 @@
               <a:rPr lang="en-US" dirty="0" smtClean="0">
                 <a:ea typeface="+mn-ea"/>
               </a:rPr>
-              <a:t>Assume: AX = </a:t>
-            </a:r>
-            <a:r>
-              <a:rPr lang="en-US" dirty="0" smtClean="0">
-                <a:ea typeface="+mn-ea"/>
-              </a:rPr>
-              <a:t>0x0100, SI = 0x3000, </a:t>
-            </a:r>
-            <a:endParaRPr lang="en-US" dirty="0" smtClean="0">
-              <a:ea typeface="+mn-ea"/>
-            </a:endParaRPr>
+              <a:t>Assume: AX = 0x0100, SI = 0x3000, </a:t>
+            </a:r>
           </a:p>
           <a:p>
             <a:pPr marL="0" indent="0">
@@ -8906,35 +8889,8 @@
               <a:rPr lang="en-US" dirty="0" smtClean="0">
                 <a:ea typeface="+mn-ea"/>
               </a:rPr>
-              <a:t>(0x100) </a:t>
-            </a:r>
-            <a:r>
-              <a:rPr lang="en-US" dirty="0" smtClean="0">
-                <a:ea typeface="+mn-ea"/>
-              </a:rPr>
-              <a:t>= </a:t>
-            </a:r>
-            <a:r>
-              <a:rPr lang="en-US" dirty="0" smtClean="0">
-                <a:ea typeface="+mn-ea"/>
-              </a:rPr>
-              <a:t>0x00, (0x101) </a:t>
-            </a:r>
-            <a:r>
-              <a:rPr lang="en-US" dirty="0" smtClean="0">
-                <a:ea typeface="+mn-ea"/>
-              </a:rPr>
-              <a:t>= </a:t>
-            </a:r>
-            <a:r>
-              <a:rPr lang="en-US" dirty="0" smtClean="0">
-                <a:ea typeface="+mn-ea"/>
-              </a:rPr>
-              <a:t>0xFF</a:t>
-            </a:r>
-            <a:endParaRPr lang="en-US" dirty="0" smtClean="0">
-              <a:ea typeface="+mn-ea"/>
-            </a:endParaRPr>
+              <a:t>(0x100) = 0x00, (0x101) = 0xFF</a:t>
+            </a:r>
           </a:p>
           <a:p>
             <a:pPr>
@@ -8957,13 +8913,8 @@
             </a:pPr>
             <a:r>
               <a:rPr lang="en-US" dirty="0" smtClean="0"/>
-              <a:t>BL = AL = </a:t>
-            </a:r>
-            <a:r>
-              <a:rPr lang="en-US" dirty="0" smtClean="0"/>
-              <a:t>0x00</a:t>
-            </a:r>
-            <a:endParaRPr lang="en-US" dirty="0" smtClean="0"/>
+              <a:t>BL = AL = 0x00</a:t>
+            </a:r>
           </a:p>
           <a:p>
             <a:pPr>
@@ -8975,17 +8926,8 @@
               <a:rPr lang="en-US" dirty="0" smtClean="0">
                 <a:ea typeface="+mn-ea"/>
               </a:rPr>
-              <a:t>MOV DX, </a:t>
-            </a:r>
-            <a:r>
-              <a:rPr lang="en-US" dirty="0" smtClean="0">
-                <a:ea typeface="+mn-ea"/>
-              </a:rPr>
-              <a:t>SI</a:t>
-            </a:r>
-            <a:endParaRPr lang="en-US" dirty="0" smtClean="0">
-              <a:ea typeface="+mn-ea"/>
-            </a:endParaRPr>
+              <a:t>MOV DX, SI</a:t>
+            </a:r>
           </a:p>
           <a:p>
             <a:pPr lvl="1">
@@ -8995,13 +8937,8 @@
             </a:pPr>
             <a:r>
               <a:rPr lang="en-US" dirty="0" smtClean="0"/>
-              <a:t>DX = </a:t>
-            </a:r>
-            <a:r>
-              <a:rPr lang="en-US" dirty="0" smtClean="0"/>
-              <a:t>SI = 0x3000</a:t>
-            </a:r>
-            <a:endParaRPr lang="en-US" dirty="0" smtClean="0"/>
+              <a:t>DX = SI = 0x3000</a:t>
+            </a:r>
           </a:p>
           <a:p>
             <a:pPr>
@@ -9013,17 +8950,8 @@
               <a:rPr lang="en-US" dirty="0" smtClean="0">
                 <a:ea typeface="+mn-ea"/>
               </a:rPr>
-              <a:t>MOV CX, </a:t>
-            </a:r>
-            <a:r>
-              <a:rPr lang="en-US" dirty="0" smtClean="0">
-                <a:ea typeface="+mn-ea"/>
-              </a:rPr>
-              <a:t>[0x100]</a:t>
-            </a:r>
-            <a:endParaRPr lang="en-US" dirty="0" smtClean="0">
-              <a:ea typeface="+mn-ea"/>
-            </a:endParaRPr>
+              <a:t>MOV CX, [0x100]</a:t>
+            </a:r>
           </a:p>
           <a:p>
             <a:pPr lvl="1">
@@ -9033,21 +8961,8 @@
             </a:pPr>
             <a:r>
               <a:rPr lang="en-US" dirty="0" smtClean="0"/>
-              <a:t>CX = word starting at </a:t>
-            </a:r>
-            <a:r>
-              <a:rPr lang="en-US" dirty="0" smtClean="0"/>
-              <a:t>0x100 </a:t>
-            </a:r>
-            <a:r>
-              <a:rPr lang="en-US" dirty="0" smtClean="0"/>
-              <a:t>= </a:t>
-            </a:r>
-            <a:r>
-              <a:rPr lang="en-US" dirty="0" smtClean="0"/>
-              <a:t>0xFF00</a:t>
-            </a:r>
-            <a:endParaRPr lang="en-US" dirty="0" smtClean="0"/>
+              <a:t>CX = word starting at 0x100 = 0xFF00</a:t>
+            </a:r>
           </a:p>
         </p:txBody>
       </p:sp>
@@ -9186,7 +9101,7 @@
               <a:rPr lang="en-US" smtClean="0">
                 <a:latin typeface="Garamond" charset="0"/>
               </a:rPr>
-              <a:t>9/12/16</a:t>
+              <a:t>9/14/16</a:t>
             </a:fld>
             <a:endParaRPr lang="en-US">
               <a:latin typeface="Garamond" charset="0"/>
@@ -9599,7 +9514,7 @@
               <a:rPr lang="en-US" smtClean="0">
                 <a:latin typeface="Garamond" charset="0"/>
               </a:rPr>
-              <a:t>9/12/16</a:t>
+              <a:t>9/14/16</a:t>
             </a:fld>
             <a:endParaRPr lang="en-US">
               <a:latin typeface="Garamond" charset="0"/>
@@ -10037,56 +9952,18 @@
                 <a:ea typeface="+mn-ea"/>
                 <a:sym typeface="Wingdings" pitchFamily="2" charset="2"/>
               </a:rPr>
-              <a:t>MOV </a:t>
+              <a:t>MOV AX, 0 		 </a:t>
             </a:r>
             <a:r>
               <a:rPr lang="en-US" dirty="0" smtClean="0">
+                <a:solidFill>
+                  <a:srgbClr val="FF0000"/>
+                </a:solidFill>
                 <a:ea typeface="+mn-ea"/>
                 <a:sym typeface="Wingdings" pitchFamily="2" charset="2"/>
               </a:rPr>
-              <a:t>AX, </a:t>
-            </a:r>
-            <a:r>
-              <a:rPr lang="en-US" dirty="0" smtClean="0">
-                <a:ea typeface="+mn-ea"/>
-                <a:sym typeface="Wingdings" pitchFamily="2" charset="2"/>
-              </a:rPr>
-              <a:t>0 </a:t>
-            </a:r>
-            <a:r>
-              <a:rPr lang="en-US" dirty="0" smtClean="0">
-                <a:ea typeface="+mn-ea"/>
-                <a:sym typeface="Wingdings" pitchFamily="2" charset="2"/>
-              </a:rPr>
-              <a:t>		 </a:t>
-            </a:r>
-            <a:r>
-              <a:rPr lang="en-US" dirty="0" smtClean="0">
-                <a:solidFill>
-                  <a:srgbClr val="FF0000"/>
-                </a:solidFill>
-                <a:ea typeface="+mn-ea"/>
-                <a:sym typeface="Wingdings" pitchFamily="2" charset="2"/>
-              </a:rPr>
-              <a:t>AX = </a:t>
-            </a:r>
-            <a:r>
-              <a:rPr lang="en-US" dirty="0" smtClean="0">
-                <a:solidFill>
-                  <a:srgbClr val="FF0000"/>
-                </a:solidFill>
-                <a:ea typeface="+mn-ea"/>
-                <a:sym typeface="Wingdings" pitchFamily="2" charset="2"/>
-              </a:rPr>
-              <a:t>0x0000</a:t>
-            </a:r>
-            <a:endParaRPr lang="en-US" dirty="0" smtClean="0">
-              <a:solidFill>
-                <a:srgbClr val="FF0000"/>
-              </a:solidFill>
-              <a:ea typeface="+mn-ea"/>
-              <a:sym typeface="Wingdings" pitchFamily="2" charset="2"/>
-            </a:endParaRPr>
+              <a:t>AX = 0x0000</a:t>
+            </a:r>
           </a:p>
           <a:p>
             <a:pPr>
@@ -10109,25 +9986,8 @@
                 <a:ea typeface="+mn-ea"/>
                 <a:sym typeface="Wingdings" pitchFamily="2" charset="2"/>
               </a:rPr>
-              <a:t>BX = AX = </a:t>
-            </a:r>
-            <a:r>
-              <a:rPr lang="en-US" dirty="0" smtClean="0">
-                <a:solidFill>
-                  <a:srgbClr val="FF0000"/>
-                </a:solidFill>
-                <a:ea typeface="+mn-ea"/>
-                <a:sym typeface="Wingdings" pitchFamily="2" charset="2"/>
-              </a:rPr>
-              <a:t>0x0000</a:t>
-            </a:r>
-            <a:endParaRPr lang="en-US" dirty="0" smtClean="0">
-              <a:solidFill>
-                <a:srgbClr val="FF0000"/>
-              </a:solidFill>
-              <a:ea typeface="+mn-ea"/>
-              <a:sym typeface="Wingdings" pitchFamily="2" charset="2"/>
-            </a:endParaRPr>
+              <a:t>BX = AX = 0x0000</a:t>
+            </a:r>
           </a:p>
           <a:p>
             <a:pPr>
@@ -10140,56 +10000,18 @@
                 <a:ea typeface="+mn-ea"/>
                 <a:sym typeface="Wingdings" pitchFamily="2" charset="2"/>
               </a:rPr>
-              <a:t>MOV CX, </a:t>
+              <a:t>MOV CX, 0x0A 	 </a:t>
             </a:r>
             <a:r>
               <a:rPr lang="en-US" dirty="0" smtClean="0">
+                <a:solidFill>
+                  <a:srgbClr val="FF0000"/>
+                </a:solidFill>
                 <a:ea typeface="+mn-ea"/>
                 <a:sym typeface="Wingdings" pitchFamily="2" charset="2"/>
               </a:rPr>
-              <a:t>0x0A </a:t>
-            </a:r>
-            <a:r>
-              <a:rPr lang="en-US" dirty="0" smtClean="0">
-                <a:ea typeface="+mn-ea"/>
-                <a:sym typeface="Wingdings" pitchFamily="2" charset="2"/>
-              </a:rPr>
-              <a:t>	</a:t>
-            </a:r>
-            <a:r>
-              <a:rPr lang="en-US" dirty="0" smtClean="0">
-                <a:ea typeface="+mn-ea"/>
-                <a:sym typeface="Wingdings" pitchFamily="2" charset="2"/>
-              </a:rPr>
-              <a:t> </a:t>
-            </a:r>
-            <a:r>
-              <a:rPr lang="en-US" dirty="0" smtClean="0">
-                <a:solidFill>
-                  <a:srgbClr val="FF0000"/>
-                </a:solidFill>
-                <a:ea typeface="+mn-ea"/>
-                <a:sym typeface="Wingdings" pitchFamily="2" charset="2"/>
-              </a:rPr>
-              <a:t>CX = </a:t>
-            </a:r>
-            <a:r>
-              <a:rPr lang="en-US" dirty="0" smtClean="0">
-                <a:solidFill>
-                  <a:srgbClr val="FF0000"/>
-                </a:solidFill>
-                <a:ea typeface="+mn-ea"/>
-                <a:sym typeface="Wingdings" pitchFamily="2" charset="2"/>
-              </a:rPr>
-              <a:t>0x000A</a:t>
-            </a:r>
-            <a:endParaRPr lang="en-US" dirty="0" smtClean="0">
-              <a:solidFill>
-                <a:srgbClr val="FF0000"/>
-              </a:solidFill>
-              <a:ea typeface="+mn-ea"/>
-              <a:sym typeface="Wingdings" pitchFamily="2" charset="2"/>
-            </a:endParaRPr>
+              <a:t>CX = 0x000A</a:t>
+            </a:r>
           </a:p>
           <a:p>
             <a:pPr>
@@ -10202,49 +10024,18 @@
                 <a:ea typeface="+mn-ea"/>
                 <a:sym typeface="Wingdings" pitchFamily="2" charset="2"/>
               </a:rPr>
-              <a:t>MOV DX, </a:t>
+              <a:t>MOV DX, 0x100 	 </a:t>
             </a:r>
             <a:r>
               <a:rPr lang="en-US" dirty="0" smtClean="0">
+                <a:solidFill>
+                  <a:srgbClr val="FF0000"/>
+                </a:solidFill>
                 <a:ea typeface="+mn-ea"/>
                 <a:sym typeface="Wingdings" pitchFamily="2" charset="2"/>
               </a:rPr>
-              <a:t>0x100 </a:t>
-            </a:r>
-            <a:r>
-              <a:rPr lang="en-US" dirty="0" smtClean="0">
-                <a:ea typeface="+mn-ea"/>
-                <a:sym typeface="Wingdings" pitchFamily="2" charset="2"/>
-              </a:rPr>
-              <a:t>	 </a:t>
-            </a:r>
-            <a:r>
-              <a:rPr lang="en-US" dirty="0" smtClean="0">
-                <a:solidFill>
-                  <a:srgbClr val="FF0000"/>
-                </a:solidFill>
-                <a:ea typeface="+mn-ea"/>
-                <a:sym typeface="Wingdings" pitchFamily="2" charset="2"/>
-              </a:rPr>
-              <a:t>DX = </a:t>
-            </a:r>
-            <a:r>
-              <a:rPr lang="en-US" dirty="0" smtClean="0">
-                <a:solidFill>
-                  <a:srgbClr val="FF0000"/>
-                </a:solidFill>
-                <a:ea typeface="+mn-ea"/>
-                <a:sym typeface="Wingdings" pitchFamily="2" charset="2"/>
-              </a:rPr>
-              <a:t>0x0100</a:t>
-            </a:r>
-            <a:endParaRPr lang="en-US" dirty="0" smtClean="0">
-              <a:solidFill>
-                <a:srgbClr val="FF0000"/>
-              </a:solidFill>
-              <a:ea typeface="+mn-ea"/>
-              <a:sym typeface="Wingdings" pitchFamily="2" charset="2"/>
-            </a:endParaRPr>
+              <a:t>DX = 0x0100</a:t>
+            </a:r>
           </a:p>
           <a:p>
             <a:pPr>
@@ -10257,56 +10048,18 @@
                 <a:ea typeface="+mn-ea"/>
                 <a:sym typeface="Wingdings" pitchFamily="2" charset="2"/>
               </a:rPr>
-              <a:t>MOV SI, </a:t>
+              <a:t>MOV SI, 0x200 	 </a:t>
             </a:r>
             <a:r>
               <a:rPr lang="en-US" dirty="0" smtClean="0">
+                <a:solidFill>
+                  <a:srgbClr val="FF0000"/>
+                </a:solidFill>
                 <a:ea typeface="+mn-ea"/>
                 <a:sym typeface="Wingdings" pitchFamily="2" charset="2"/>
               </a:rPr>
-              <a:t>0x200 </a:t>
-            </a:r>
-            <a:r>
-              <a:rPr lang="en-US" dirty="0" smtClean="0">
-                <a:ea typeface="+mn-ea"/>
-                <a:sym typeface="Wingdings" pitchFamily="2" charset="2"/>
-              </a:rPr>
-              <a:t>	</a:t>
-            </a:r>
-            <a:r>
-              <a:rPr lang="en-US" dirty="0" smtClean="0">
-                <a:ea typeface="+mn-ea"/>
-                <a:sym typeface="Wingdings" pitchFamily="2" charset="2"/>
-              </a:rPr>
-              <a:t> </a:t>
-            </a:r>
-            <a:r>
-              <a:rPr lang="en-US" dirty="0" smtClean="0">
-                <a:solidFill>
-                  <a:srgbClr val="FF0000"/>
-                </a:solidFill>
-                <a:ea typeface="+mn-ea"/>
-                <a:sym typeface="Wingdings" pitchFamily="2" charset="2"/>
-              </a:rPr>
-              <a:t>SI = </a:t>
-            </a:r>
-            <a:r>
-              <a:rPr lang="en-US" dirty="0" smtClean="0">
-                <a:solidFill>
-                  <a:srgbClr val="FF0000"/>
-                </a:solidFill>
-                <a:ea typeface="+mn-ea"/>
-                <a:sym typeface="Wingdings" pitchFamily="2" charset="2"/>
-              </a:rPr>
-              <a:t>0x0200</a:t>
-            </a:r>
-            <a:endParaRPr lang="en-US" dirty="0" smtClean="0">
-              <a:solidFill>
-                <a:srgbClr val="FF0000"/>
-              </a:solidFill>
-              <a:ea typeface="+mn-ea"/>
-              <a:sym typeface="Wingdings" pitchFamily="2" charset="2"/>
-            </a:endParaRPr>
+              <a:t>SI = 0x0200</a:t>
+            </a:r>
           </a:p>
           <a:p>
             <a:pPr>
@@ -10319,41 +10072,31 @@
                 <a:ea typeface="+mn-ea"/>
                 <a:sym typeface="Wingdings" pitchFamily="2" charset="2"/>
               </a:rPr>
-              <a:t>MOV DI, </a:t>
+              <a:t>MOV DI</a:t>
+            </a:r>
+            <a:r>
+              <a:rPr lang="en-US" smtClean="0">
+                <a:ea typeface="+mn-ea"/>
+                <a:sym typeface="Wingdings" pitchFamily="2" charset="2"/>
+              </a:rPr>
+              <a:t>, 0x300 </a:t>
             </a:r>
             <a:r>
               <a:rPr lang="en-US" dirty="0" smtClean="0">
                 <a:ea typeface="+mn-ea"/>
                 <a:sym typeface="Wingdings" pitchFamily="2" charset="2"/>
               </a:rPr>
-              <a:t>0x300H </a:t>
+              <a:t>	 </a:t>
             </a:r>
             <a:r>
               <a:rPr lang="en-US" dirty="0" smtClean="0">
+                <a:solidFill>
+                  <a:srgbClr val="FF0000"/>
+                </a:solidFill>
                 <a:ea typeface="+mn-ea"/>
                 <a:sym typeface="Wingdings" pitchFamily="2" charset="2"/>
               </a:rPr>
-              <a:t>	 </a:t>
-            </a:r>
-            <a:r>
-              <a:rPr lang="en-US" dirty="0" smtClean="0">
-                <a:solidFill>
-                  <a:srgbClr val="FF0000"/>
-                </a:solidFill>
-                <a:ea typeface="+mn-ea"/>
-                <a:sym typeface="Wingdings" pitchFamily="2" charset="2"/>
-              </a:rPr>
-              <a:t>DI = </a:t>
-            </a:r>
-            <a:r>
-              <a:rPr lang="en-US" dirty="0" smtClean="0">
-                <a:solidFill>
-                  <a:srgbClr val="FF0000"/>
-                </a:solidFill>
-                <a:ea typeface="+mn-ea"/>
-                <a:sym typeface="Wingdings" pitchFamily="2" charset="2"/>
-              </a:rPr>
-              <a:t>0x0300</a:t>
+              <a:t>DI = 0x0300</a:t>
             </a:r>
             <a:endParaRPr lang="en-US" dirty="0" smtClean="0">
               <a:solidFill>
@@ -10507,7 +10250,7 @@
               <a:rPr lang="en-US" smtClean="0">
                 <a:latin typeface="Garamond" charset="0"/>
               </a:rPr>
-              <a:t>9/12/16</a:t>
+              <a:t>9/14/16</a:t>
             </a:fld>
             <a:endParaRPr lang="en-US">
               <a:latin typeface="Garamond" charset="0"/>
@@ -11111,7 +10854,7 @@
               <a:rPr lang="en-US" smtClean="0">
                 <a:latin typeface="Garamond" charset="0"/>
               </a:rPr>
-              <a:t>9/12/16</a:t>
+              <a:t>9/14/16</a:t>
             </a:fld>
             <a:endParaRPr lang="en-US">
               <a:latin typeface="Garamond" charset="0"/>
@@ -11328,7 +11071,7 @@
       </p:grpSpPr>
       <p:sp>
         <p:nvSpPr>
-          <p:cNvPr id="7170" name="Title 1"/>
+          <p:cNvPr id="19458" name="Title 1"/>
           <p:cNvSpPr>
             <a:spLocks noGrp="1"/>
           </p:cNvSpPr>
@@ -11345,14 +11088,14 @@
               <a:rPr lang="en-US">
                 <a:latin typeface="Garamond" charset="0"/>
               </a:rPr>
-              <a:t>MOVSX/MOVZX examples</a:t>
-            </a:r>
-          </a:p>
-        </p:txBody>
-      </p:sp>
-      <p:sp>
-        <p:nvSpPr>
-          <p:cNvPr id="14339" name="Content Placeholder 2"/>
+              <a:t>Final notes</a:t>
+            </a:r>
+          </a:p>
+        </p:txBody>
+      </p:sp>
+      <p:sp>
+        <p:nvSpPr>
+          <p:cNvPr id="19459" name="Content Placeholder 2"/>
           <p:cNvSpPr>
             <a:spLocks noGrp="1"/>
           </p:cNvSpPr>
@@ -11365,185 +11108,61 @@
           <a:bodyPr/>
           <a:lstStyle/>
           <a:p>
-            <a:pPr>
-              <a:buFont typeface="Wingdings" pitchFamily="2" charset="2"/>
-              <a:buChar char="n"/>
-              <a:defRPr/>
-            </a:pPr>
-            <a:r>
-              <a:rPr lang="en-US" dirty="0" smtClean="0">
-                <a:ea typeface="+mn-ea"/>
-              </a:rPr>
-              <a:t>Assume: AX = </a:t>
-            </a:r>
-            <a:r>
-              <a:rPr lang="en-US" dirty="0" smtClean="0">
-                <a:ea typeface="+mn-ea"/>
-              </a:rPr>
-              <a:t>0x0100, </a:t>
-            </a:r>
-            <a:r>
-              <a:rPr lang="en-US" dirty="0" smtClean="0">
-                <a:ea typeface="+mn-ea"/>
-              </a:rPr>
-              <a:t>DX = </a:t>
-            </a:r>
-            <a:r>
-              <a:rPr lang="en-US" dirty="0" smtClean="0">
-                <a:ea typeface="+mn-ea"/>
-              </a:rPr>
-              <a:t>0x</a:t>
-            </a:r>
-            <a:r>
-              <a:rPr lang="en-US" dirty="0" smtClean="0">
-                <a:ea typeface="+mn-ea"/>
-              </a:rPr>
-              <a:t>8100, </a:t>
-            </a:r>
-            <a:endParaRPr lang="en-US" dirty="0" smtClean="0">
-              <a:ea typeface="+mn-ea"/>
-            </a:endParaRPr>
-          </a:p>
-          <a:p>
-            <a:pPr marL="0" indent="0">
-              <a:buFont typeface="Wingdings" pitchFamily="2" charset="2"/>
-              <a:buNone/>
-              <a:defRPr/>
-            </a:pPr>
-            <a:r>
-              <a:rPr lang="en-US" dirty="0" smtClean="0">
-                <a:ea typeface="+mn-ea"/>
-              </a:rPr>
-              <a:t>	</a:t>
-            </a:r>
-            <a:r>
-              <a:rPr lang="en-US" dirty="0" smtClean="0">
-                <a:ea typeface="+mn-ea"/>
-              </a:rPr>
-              <a:t>(0x100) </a:t>
-            </a:r>
-            <a:r>
-              <a:rPr lang="en-US" dirty="0" smtClean="0">
-                <a:ea typeface="+mn-ea"/>
-              </a:rPr>
-              <a:t>= </a:t>
-            </a:r>
-            <a:r>
-              <a:rPr lang="en-US" dirty="0" smtClean="0">
-                <a:ea typeface="+mn-ea"/>
-              </a:rPr>
-              <a:t>0x00, (0x101) </a:t>
-            </a:r>
-            <a:r>
-              <a:rPr lang="en-US" dirty="0" smtClean="0">
-                <a:ea typeface="+mn-ea"/>
-              </a:rPr>
-              <a:t>= </a:t>
-            </a:r>
-            <a:r>
-              <a:rPr lang="en-US" dirty="0" smtClean="0">
-                <a:ea typeface="+mn-ea"/>
-              </a:rPr>
-              <a:t>0xFF</a:t>
-            </a:r>
-            <a:endParaRPr lang="en-US" dirty="0" smtClean="0">
-              <a:ea typeface="+mn-ea"/>
-            </a:endParaRPr>
-          </a:p>
-          <a:p>
-            <a:pPr>
-              <a:buFont typeface="Wingdings" pitchFamily="2" charset="2"/>
-              <a:buChar char="n"/>
-              <a:defRPr/>
-            </a:pPr>
-            <a:r>
-              <a:rPr lang="en-US" dirty="0" smtClean="0">
-                <a:ea typeface="+mn-ea"/>
-              </a:rPr>
-              <a:t>What are the results of the following instructions?</a:t>
-            </a:r>
-          </a:p>
-          <a:p>
-            <a:pPr>
-              <a:buFont typeface="Wingdings" pitchFamily="2" charset="2"/>
-              <a:buChar char="n"/>
-              <a:defRPr/>
-            </a:pPr>
-            <a:r>
-              <a:rPr lang="en-US" dirty="0" smtClean="0">
-                <a:ea typeface="+mn-ea"/>
-              </a:rPr>
-              <a:t>MOVSX EBX, AX</a:t>
-            </a:r>
-          </a:p>
-          <a:p>
-            <a:pPr>
-              <a:buFont typeface="Wingdings" pitchFamily="2" charset="2"/>
-              <a:buChar char="n"/>
-              <a:defRPr/>
-            </a:pPr>
-            <a:r>
-              <a:rPr lang="en-US" dirty="0" smtClean="0">
-                <a:ea typeface="+mn-ea"/>
-              </a:rPr>
-              <a:t>MOVSX EBX, DX</a:t>
-            </a:r>
-          </a:p>
-          <a:p>
-            <a:pPr>
-              <a:buFont typeface="Wingdings" pitchFamily="2" charset="2"/>
-              <a:buChar char="n"/>
-              <a:defRPr/>
-            </a:pPr>
-            <a:r>
-              <a:rPr lang="en-US" dirty="0" smtClean="0">
-                <a:ea typeface="+mn-ea"/>
-              </a:rPr>
-              <a:t>MOVZX EBX, DX</a:t>
-            </a:r>
-          </a:p>
-          <a:p>
-            <a:pPr>
-              <a:buFont typeface="Wingdings" pitchFamily="2" charset="2"/>
-              <a:buChar char="n"/>
-              <a:defRPr/>
-            </a:pPr>
-            <a:r>
-              <a:rPr lang="en-US" dirty="0" smtClean="0">
-                <a:ea typeface="+mn-ea"/>
-              </a:rPr>
-              <a:t>MOVSX EBX, BYTE PTR </a:t>
-            </a:r>
-            <a:r>
-              <a:rPr lang="en-US" dirty="0" smtClean="0">
-                <a:ea typeface="+mn-ea"/>
-              </a:rPr>
-              <a:t>[0x100]</a:t>
-            </a:r>
-            <a:endParaRPr lang="en-US" dirty="0" smtClean="0">
-              <a:ea typeface="+mn-ea"/>
-            </a:endParaRPr>
-          </a:p>
-          <a:p>
-            <a:pPr>
-              <a:buFont typeface="Wingdings" pitchFamily="2" charset="2"/>
-              <a:buChar char="n"/>
-              <a:defRPr/>
-            </a:pPr>
-            <a:r>
-              <a:rPr lang="en-US" dirty="0" smtClean="0">
-                <a:ea typeface="+mn-ea"/>
-              </a:rPr>
-              <a:t>MOVSX EBX, WORD PTR </a:t>
-            </a:r>
-            <a:r>
-              <a:rPr lang="en-US" dirty="0" smtClean="0">
-                <a:ea typeface="+mn-ea"/>
-              </a:rPr>
-              <a:t>[0x100]</a:t>
-            </a:r>
-            <a:endParaRPr lang="en-US" dirty="0" smtClean="0">
-              <a:ea typeface="+mn-ea"/>
+            <a:r>
+              <a:rPr lang="en-US" dirty="0">
+                <a:latin typeface="Arial" charset="0"/>
+              </a:rPr>
+              <a:t>Next time:</a:t>
+            </a:r>
+          </a:p>
+          <a:p>
+            <a:pPr lvl="1"/>
+            <a:r>
+              <a:rPr lang="en-US" dirty="0">
+                <a:latin typeface="Arial" charset="0"/>
+              </a:rPr>
+              <a:t>Finish data transfer instructions</a:t>
+            </a:r>
+          </a:p>
+          <a:p>
+            <a:pPr lvl="1"/>
+            <a:r>
+              <a:rPr lang="en-US" dirty="0">
+                <a:latin typeface="Arial" charset="0"/>
+              </a:rPr>
+              <a:t>Arithmetic instructions</a:t>
+            </a:r>
+          </a:p>
+          <a:p>
+            <a:r>
+              <a:rPr lang="en-US" dirty="0">
+                <a:latin typeface="Arial" charset="0"/>
+              </a:rPr>
+              <a:t>Reminders:</a:t>
+            </a:r>
+          </a:p>
+          <a:p>
+            <a:pPr lvl="1"/>
+            <a:r>
+              <a:rPr lang="en-US" dirty="0">
+                <a:latin typeface="Arial" charset="0"/>
+              </a:rPr>
+              <a:t>HW 1 due 1:00 PM today</a:t>
+            </a:r>
+          </a:p>
+          <a:p>
+            <a:pPr lvl="1"/>
+            <a:r>
+              <a:rPr lang="en-US">
+                <a:latin typeface="Arial" charset="0"/>
+              </a:rPr>
+              <a:t>HW 2 to be posted; due 1:00 PM, Friday, 2/5</a:t>
+            </a:r>
+          </a:p>
+          <a:p>
+            <a:pPr lvl="1"/>
+            <a:endParaRPr lang="en-US" dirty="0">
+              <a:latin typeface="Arial" charset="0"/>
             </a:endParaRPr>
           </a:p>
         </p:txBody>
@@ -11679,11 +11298,11 @@
           </a:lstStyle>
           <a:p>
             <a:pPr eaLnBrk="1" hangingPunct="1"/>
-            <a:fld id="{B9487D28-8451-B74C-82E2-BCDD81A6C0F4}" type="datetime1">
+            <a:fld id="{88724D82-753B-494D-AC47-B85B7CAD6E6C}" type="datetime1">
               <a:rPr lang="en-US" smtClean="0">
                 <a:latin typeface="Garamond" charset="0"/>
               </a:rPr>
-              <a:t>9/12/16</a:t>
+              <a:t>9/14/16</a:t>
             </a:fld>
             <a:endParaRPr lang="en-US">
               <a:latin typeface="Garamond" charset="0"/>
@@ -11848,1220 +11467,12 @@
           </a:lstStyle>
           <a:p>
             <a:pPr eaLnBrk="1" hangingPunct="1"/>
-            <a:fld id="{99B6019B-EC2D-5C47-8186-D6169C154A2C}" type="slidenum">
-              <a:rPr lang="en-US">
-                <a:latin typeface="Garamond" charset="0"/>
-              </a:rPr>
-              <a:pPr eaLnBrk="1" hangingPunct="1"/>
-              <a:t>17</a:t>
-            </a:fld>
-            <a:endParaRPr lang="en-US">
-              <a:latin typeface="Garamond" charset="0"/>
-            </a:endParaRPr>
-          </a:p>
-        </p:txBody>
-      </p:sp>
-    </p:spTree>
-    <p:extLst>
-      <p:ext uri="{BB962C8B-B14F-4D97-AF65-F5344CB8AC3E}">
-        <p14:creationId xmlns:p14="http://schemas.microsoft.com/office/powerpoint/2010/main" val="2108346177"/>
-      </p:ext>
-    </p:extLst>
-  </p:cSld>
-  <p:clrMapOvr>
-    <a:masterClrMapping/>
-  </p:clrMapOvr>
-  <p:timing>
-    <p:tnLst>
-      <p:par>
-        <p:cTn xmlns:p14="http://schemas.microsoft.com/office/powerpoint/2010/main" id="1" dur="indefinite" restart="never" nodeType="tmRoot"/>
-      </p:par>
-    </p:tnLst>
-  </p:timing>
-</p:sld>
-</file>
-
-<file path=ppt/slides/slide18.xml><?xml version="1.0" encoding="utf-8"?>
-<p:sld xmlns:a="http://schemas.openxmlformats.org/drawingml/2006/main" xmlns:r="http://schemas.openxmlformats.org/officeDocument/2006/relationships" xmlns:p="http://schemas.openxmlformats.org/presentationml/2006/main">
-  <p:cSld>
-    <p:spTree>
-      <p:nvGrpSpPr>
-        <p:cNvPr id="1" name=""/>
-        <p:cNvGrpSpPr/>
-        <p:nvPr/>
-      </p:nvGrpSpPr>
-      <p:grpSpPr>
-        <a:xfrm>
-          <a:off x="0" y="0"/>
-          <a:ext cx="0" cy="0"/>
-          <a:chOff x="0" y="0"/>
-          <a:chExt cx="0" cy="0"/>
-        </a:xfrm>
-      </p:grpSpPr>
-      <p:sp>
-        <p:nvSpPr>
-          <p:cNvPr id="8194" name="Title 1"/>
-          <p:cNvSpPr>
-            <a:spLocks noGrp="1"/>
-          </p:cNvSpPr>
-          <p:nvPr>
-            <p:ph type="title"/>
-          </p:nvPr>
-        </p:nvSpPr>
-        <p:spPr/>
-        <p:txBody>
-          <a:bodyPr/>
-          <a:lstStyle/>
-          <a:p>
-            <a:r>
-              <a:rPr lang="en-US">
-                <a:latin typeface="Garamond" charset="0"/>
-              </a:rPr>
-              <a:t>MOVSX/MOVZX examples (soln)</a:t>
-            </a:r>
-          </a:p>
-        </p:txBody>
-      </p:sp>
-      <p:sp>
-        <p:nvSpPr>
-          <p:cNvPr id="3" name="Content Placeholder 2"/>
-          <p:cNvSpPr>
-            <a:spLocks noGrp="1"/>
-          </p:cNvSpPr>
-          <p:nvPr>
-            <p:ph idx="1"/>
-          </p:nvPr>
-        </p:nvSpPr>
-        <p:spPr>
-          <a:xfrm>
-            <a:off x="457200" y="914400"/>
-            <a:ext cx="8229600" cy="5216525"/>
-          </a:xfrm>
-        </p:spPr>
-        <p:txBody>
-          <a:bodyPr>
-            <a:normAutofit fontScale="85000" lnSpcReduction="20000"/>
-          </a:bodyPr>
-          <a:lstStyle/>
-          <a:p>
-            <a:pPr>
-              <a:buFont typeface="Wingdings" pitchFamily="2" charset="2"/>
-              <a:buChar char="n"/>
-              <a:defRPr/>
-            </a:pPr>
-            <a:r>
-              <a:rPr lang="en-US" dirty="0"/>
-              <a:t>Assume: AX = 0x0100, DX = 0x8100, </a:t>
-            </a:r>
-          </a:p>
-          <a:p>
-            <a:pPr marL="0" indent="0">
-              <a:buFont typeface="Wingdings" pitchFamily="2" charset="2"/>
-              <a:buNone/>
-              <a:defRPr/>
-            </a:pPr>
-            <a:r>
-              <a:rPr lang="en-US" dirty="0"/>
-              <a:t>	(0x100) = 0x00, (0x101) = 0xFF</a:t>
-            </a:r>
-          </a:p>
-          <a:p>
-            <a:pPr>
-              <a:buFont typeface="Wingdings" pitchFamily="2" charset="2"/>
-              <a:buChar char="n"/>
-              <a:defRPr/>
-            </a:pPr>
-            <a:r>
-              <a:rPr lang="en-US" dirty="0" smtClean="0">
-                <a:ea typeface="+mn-ea"/>
-              </a:rPr>
-              <a:t>What </a:t>
-            </a:r>
-            <a:r>
-              <a:rPr lang="en-US" dirty="0" smtClean="0">
-                <a:ea typeface="+mn-ea"/>
-              </a:rPr>
-              <a:t>are the results of the following instructions?</a:t>
-            </a:r>
-          </a:p>
-          <a:p>
-            <a:pPr>
-              <a:buFont typeface="Wingdings" pitchFamily="2" charset="2"/>
-              <a:buChar char="n"/>
-              <a:defRPr/>
-            </a:pPr>
-            <a:r>
-              <a:rPr lang="en-US" dirty="0" smtClean="0">
-                <a:ea typeface="+mn-ea"/>
-              </a:rPr>
-              <a:t>MOVSX EBX, AX</a:t>
-            </a:r>
-          </a:p>
-          <a:p>
-            <a:pPr lvl="1">
-              <a:buFont typeface="Wingdings" pitchFamily="2" charset="2"/>
-              <a:buChar char="q"/>
-              <a:defRPr/>
-            </a:pPr>
-            <a:r>
-              <a:rPr lang="en-US" dirty="0" smtClean="0">
-                <a:solidFill>
-                  <a:srgbClr val="FF0000"/>
-                </a:solidFill>
-              </a:rPr>
-              <a:t>EBX = AX sign-extended = </a:t>
-            </a:r>
-            <a:r>
-              <a:rPr lang="en-US" dirty="0" smtClean="0">
-                <a:solidFill>
-                  <a:srgbClr val="FF0000"/>
-                </a:solidFill>
-              </a:rPr>
-              <a:t>0x0000</a:t>
-            </a:r>
-            <a:r>
-              <a:rPr lang="en-US" u="sng" dirty="0" smtClean="0">
-                <a:solidFill>
-                  <a:srgbClr val="FF0000"/>
-                </a:solidFill>
-              </a:rPr>
-              <a:t>0100</a:t>
-            </a:r>
-            <a:r>
-              <a:rPr lang="en-US" dirty="0" smtClean="0">
-                <a:solidFill>
-                  <a:srgbClr val="FF0000"/>
-                </a:solidFill>
-              </a:rPr>
-              <a:t> </a:t>
-            </a:r>
-            <a:r>
-              <a:rPr lang="en-US" dirty="0" smtClean="0">
-                <a:solidFill>
-                  <a:srgbClr val="FF0000"/>
-                </a:solidFill>
-              </a:rPr>
-              <a:t>(orig. value </a:t>
-            </a:r>
-            <a:r>
-              <a:rPr lang="en-US" u="sng" dirty="0" smtClean="0">
-                <a:solidFill>
-                  <a:srgbClr val="FF0000"/>
-                </a:solidFill>
-              </a:rPr>
-              <a:t>underlined</a:t>
-            </a:r>
-            <a:r>
-              <a:rPr lang="en-US" dirty="0" smtClean="0">
-                <a:solidFill>
-                  <a:srgbClr val="FF0000"/>
-                </a:solidFill>
-              </a:rPr>
-              <a:t>)</a:t>
-            </a:r>
-          </a:p>
-          <a:p>
-            <a:pPr>
-              <a:buFont typeface="Wingdings" pitchFamily="2" charset="2"/>
-              <a:buChar char="n"/>
-              <a:defRPr/>
-            </a:pPr>
-            <a:r>
-              <a:rPr lang="en-US" dirty="0" smtClean="0">
-                <a:ea typeface="+mn-ea"/>
-              </a:rPr>
-              <a:t>MOVSX EBX, DX</a:t>
-            </a:r>
-          </a:p>
-          <a:p>
-            <a:pPr lvl="1">
-              <a:buFont typeface="Wingdings" pitchFamily="2" charset="2"/>
-              <a:buChar char="q"/>
-              <a:defRPr/>
-            </a:pPr>
-            <a:r>
-              <a:rPr lang="en-US" dirty="0" smtClean="0">
-                <a:solidFill>
-                  <a:srgbClr val="FF0000"/>
-                </a:solidFill>
-              </a:rPr>
-              <a:t>EBX = DX sign-extended = </a:t>
-            </a:r>
-            <a:r>
-              <a:rPr lang="en-US" dirty="0" smtClean="0">
-                <a:solidFill>
-                  <a:srgbClr val="FF0000"/>
-                </a:solidFill>
-              </a:rPr>
-              <a:t>0xFFFF</a:t>
-            </a:r>
-            <a:r>
-              <a:rPr lang="en-US" u="sng" dirty="0" smtClean="0">
-                <a:solidFill>
-                  <a:srgbClr val="FF0000"/>
-                </a:solidFill>
-              </a:rPr>
-              <a:t>8100</a:t>
-            </a:r>
-            <a:endParaRPr lang="en-US" dirty="0" smtClean="0">
-              <a:solidFill>
-                <a:srgbClr val="FF0000"/>
-              </a:solidFill>
-            </a:endParaRPr>
-          </a:p>
-          <a:p>
-            <a:pPr>
-              <a:buFont typeface="Wingdings" pitchFamily="2" charset="2"/>
-              <a:buChar char="n"/>
-              <a:defRPr/>
-            </a:pPr>
-            <a:r>
-              <a:rPr lang="en-US" dirty="0" smtClean="0">
-                <a:ea typeface="+mn-ea"/>
-              </a:rPr>
-              <a:t>MOVZX EBX, DX</a:t>
-            </a:r>
-          </a:p>
-          <a:p>
-            <a:pPr lvl="1">
-              <a:buFont typeface="Wingdings" pitchFamily="2" charset="2"/>
-              <a:buChar char="q"/>
-              <a:defRPr/>
-            </a:pPr>
-            <a:r>
-              <a:rPr lang="en-US" dirty="0" smtClean="0">
-                <a:solidFill>
-                  <a:srgbClr val="FF0000"/>
-                </a:solidFill>
-              </a:rPr>
-              <a:t>EBX = DX zero-extended = </a:t>
-            </a:r>
-            <a:r>
-              <a:rPr lang="en-US" dirty="0" smtClean="0">
-                <a:solidFill>
-                  <a:srgbClr val="FF0000"/>
-                </a:solidFill>
-              </a:rPr>
-              <a:t>0x0000</a:t>
-            </a:r>
-            <a:r>
-              <a:rPr lang="en-US" u="sng" dirty="0" smtClean="0">
-                <a:solidFill>
-                  <a:srgbClr val="FF0000"/>
-                </a:solidFill>
-              </a:rPr>
-              <a:t>8100</a:t>
-            </a:r>
-            <a:endParaRPr lang="en-US" dirty="0" smtClean="0">
-              <a:solidFill>
-                <a:srgbClr val="FF0000"/>
-              </a:solidFill>
-            </a:endParaRPr>
-          </a:p>
-          <a:p>
-            <a:pPr>
-              <a:buFont typeface="Wingdings" pitchFamily="2" charset="2"/>
-              <a:buChar char="n"/>
-              <a:defRPr/>
-            </a:pPr>
-            <a:r>
-              <a:rPr lang="en-US" dirty="0" smtClean="0">
-                <a:ea typeface="+mn-ea"/>
-              </a:rPr>
-              <a:t>MOVSX EBX, BYTE PTR </a:t>
-            </a:r>
-            <a:r>
-              <a:rPr lang="en-US" dirty="0" smtClean="0">
-                <a:ea typeface="+mn-ea"/>
-              </a:rPr>
-              <a:t>[0x100]</a:t>
-            </a:r>
-            <a:endParaRPr lang="en-US" dirty="0" smtClean="0">
-              <a:ea typeface="+mn-ea"/>
-            </a:endParaRPr>
-          </a:p>
-          <a:p>
-            <a:pPr lvl="1">
-              <a:buFont typeface="Wingdings" pitchFamily="2" charset="2"/>
-              <a:buChar char="q"/>
-              <a:defRPr/>
-            </a:pPr>
-            <a:r>
-              <a:rPr lang="en-US" dirty="0" smtClean="0">
-                <a:solidFill>
-                  <a:srgbClr val="FF0000"/>
-                </a:solidFill>
-              </a:rPr>
-              <a:t>EBX = byte at </a:t>
-            </a:r>
-            <a:r>
-              <a:rPr lang="en-US" dirty="0" smtClean="0">
-                <a:solidFill>
-                  <a:srgbClr val="FF0000"/>
-                </a:solidFill>
-              </a:rPr>
-              <a:t>0x100 </a:t>
-            </a:r>
-            <a:r>
-              <a:rPr lang="en-US" dirty="0" smtClean="0">
-                <a:solidFill>
-                  <a:srgbClr val="FF0000"/>
-                </a:solidFill>
-              </a:rPr>
-              <a:t>sign-extended = </a:t>
-            </a:r>
-            <a:r>
-              <a:rPr lang="en-US" dirty="0" smtClean="0">
-                <a:solidFill>
-                  <a:srgbClr val="FF0000"/>
-                </a:solidFill>
-              </a:rPr>
-              <a:t>0x000000</a:t>
-            </a:r>
-            <a:r>
-              <a:rPr lang="en-US" u="sng" dirty="0" smtClean="0">
-                <a:solidFill>
-                  <a:srgbClr val="FF0000"/>
-                </a:solidFill>
-              </a:rPr>
-              <a:t>00</a:t>
-            </a:r>
-            <a:endParaRPr lang="en-US" dirty="0" smtClean="0">
-              <a:solidFill>
-                <a:srgbClr val="FF0000"/>
-              </a:solidFill>
-            </a:endParaRPr>
-          </a:p>
-          <a:p>
-            <a:pPr>
-              <a:buFont typeface="Wingdings" pitchFamily="2" charset="2"/>
-              <a:buChar char="n"/>
-              <a:defRPr/>
-            </a:pPr>
-            <a:r>
-              <a:rPr lang="en-US" dirty="0" smtClean="0">
-                <a:ea typeface="+mn-ea"/>
-              </a:rPr>
-              <a:t>MOVSX EBX, WORD PTR </a:t>
-            </a:r>
-            <a:r>
-              <a:rPr lang="en-US" dirty="0" smtClean="0">
-                <a:ea typeface="+mn-ea"/>
-              </a:rPr>
-              <a:t>[0x100]</a:t>
-            </a:r>
-            <a:endParaRPr lang="en-US" dirty="0" smtClean="0">
-              <a:ea typeface="+mn-ea"/>
-            </a:endParaRPr>
-          </a:p>
-          <a:p>
-            <a:pPr lvl="1">
-              <a:buFont typeface="Wingdings" pitchFamily="2" charset="2"/>
-              <a:buChar char="q"/>
-              <a:defRPr/>
-            </a:pPr>
-            <a:r>
-              <a:rPr lang="en-US" dirty="0" smtClean="0">
-                <a:solidFill>
-                  <a:srgbClr val="FF0000"/>
-                </a:solidFill>
-              </a:rPr>
-              <a:t>EBX = word at </a:t>
-            </a:r>
-            <a:r>
-              <a:rPr lang="en-US" dirty="0" smtClean="0">
-                <a:solidFill>
-                  <a:srgbClr val="FF0000"/>
-                </a:solidFill>
-              </a:rPr>
-              <a:t>0x100 </a:t>
-            </a:r>
-            <a:r>
-              <a:rPr lang="en-US" dirty="0" smtClean="0">
-                <a:solidFill>
-                  <a:srgbClr val="FF0000"/>
-                </a:solidFill>
-              </a:rPr>
-              <a:t>sign-extended = </a:t>
-            </a:r>
-            <a:r>
-              <a:rPr lang="en-US" dirty="0" smtClean="0">
-                <a:solidFill>
-                  <a:srgbClr val="FF0000"/>
-                </a:solidFill>
-              </a:rPr>
-              <a:t>0xFFFF</a:t>
-            </a:r>
-            <a:r>
-              <a:rPr lang="en-US" u="sng" dirty="0" smtClean="0">
-                <a:solidFill>
-                  <a:srgbClr val="FF0000"/>
-                </a:solidFill>
-              </a:rPr>
-              <a:t>FF00</a:t>
-            </a:r>
-            <a:endParaRPr lang="en-US" dirty="0">
-              <a:solidFill>
-                <a:srgbClr val="FF0000"/>
-              </a:solidFill>
-            </a:endParaRPr>
-          </a:p>
-        </p:txBody>
-      </p:sp>
-      <p:sp>
-        <p:nvSpPr>
-          <p:cNvPr id="4" name="Date Placeholder 3"/>
-          <p:cNvSpPr>
-            <a:spLocks noGrp="1"/>
-          </p:cNvSpPr>
-          <p:nvPr>
-            <p:ph type="dt" sz="quarter" idx="10"/>
-          </p:nvPr>
-        </p:nvSpPr>
-        <p:spPr/>
-        <p:txBody>
-          <a:bodyPr/>
-          <a:lstStyle>
-            <a:lvl1pPr eaLnBrk="0" hangingPunct="0">
-              <a:defRPr>
-                <a:solidFill>
-                  <a:schemeClr val="tx1"/>
-                </a:solidFill>
-                <a:latin typeface="Arial" charset="0"/>
-                <a:ea typeface="ＭＳ Ｐゴシック" charset="0"/>
-                <a:cs typeface="Arial" charset="0"/>
-              </a:defRPr>
-            </a:lvl1pPr>
-            <a:lvl2pPr marL="742950" indent="-285750" eaLnBrk="0" hangingPunct="0">
-              <a:defRPr>
-                <a:solidFill>
-                  <a:schemeClr val="tx1"/>
-                </a:solidFill>
-                <a:latin typeface="Arial" charset="0"/>
-                <a:ea typeface="Arial" charset="0"/>
-                <a:cs typeface="Arial" charset="0"/>
-              </a:defRPr>
-            </a:lvl2pPr>
-            <a:lvl3pPr marL="1143000" indent="-228600" eaLnBrk="0" hangingPunct="0">
-              <a:defRPr>
-                <a:solidFill>
-                  <a:schemeClr val="tx1"/>
-                </a:solidFill>
-                <a:latin typeface="Arial" charset="0"/>
-                <a:ea typeface="Arial" charset="0"/>
-                <a:cs typeface="Arial" charset="0"/>
-              </a:defRPr>
-            </a:lvl3pPr>
-            <a:lvl4pPr marL="1600200" indent="-228600" eaLnBrk="0" hangingPunct="0">
-              <a:defRPr>
-                <a:solidFill>
-                  <a:schemeClr val="tx1"/>
-                </a:solidFill>
-                <a:latin typeface="Arial" charset="0"/>
-                <a:ea typeface="Arial" charset="0"/>
-                <a:cs typeface="Arial" charset="0"/>
-              </a:defRPr>
-            </a:lvl4pPr>
-            <a:lvl5pPr marL="2057400" indent="-228600" eaLnBrk="0" hangingPunct="0">
-              <a:defRPr>
-                <a:solidFill>
-                  <a:schemeClr val="tx1"/>
-                </a:solidFill>
-                <a:latin typeface="Arial" charset="0"/>
-                <a:ea typeface="Arial" charset="0"/>
-                <a:cs typeface="Arial" charset="0"/>
-              </a:defRPr>
-            </a:lvl5pPr>
-            <a:lvl6pPr marL="2514600" indent="-228600" eaLnBrk="0" fontAlgn="base" hangingPunct="0">
-              <a:spcBef>
-                <a:spcPct val="0"/>
-              </a:spcBef>
-              <a:spcAft>
-                <a:spcPct val="0"/>
-              </a:spcAft>
-              <a:defRPr>
-                <a:solidFill>
-                  <a:schemeClr val="tx1"/>
-                </a:solidFill>
-                <a:latin typeface="Arial" charset="0"/>
-                <a:ea typeface="Arial" charset="0"/>
-                <a:cs typeface="Arial" charset="0"/>
-              </a:defRPr>
-            </a:lvl6pPr>
-            <a:lvl7pPr marL="2971800" indent="-228600" eaLnBrk="0" fontAlgn="base" hangingPunct="0">
-              <a:spcBef>
-                <a:spcPct val="0"/>
-              </a:spcBef>
-              <a:spcAft>
-                <a:spcPct val="0"/>
-              </a:spcAft>
-              <a:defRPr>
-                <a:solidFill>
-                  <a:schemeClr val="tx1"/>
-                </a:solidFill>
-                <a:latin typeface="Arial" charset="0"/>
-                <a:ea typeface="Arial" charset="0"/>
-                <a:cs typeface="Arial" charset="0"/>
-              </a:defRPr>
-            </a:lvl7pPr>
-            <a:lvl8pPr marL="3429000" indent="-228600" eaLnBrk="0" fontAlgn="base" hangingPunct="0">
-              <a:spcBef>
-                <a:spcPct val="0"/>
-              </a:spcBef>
-              <a:spcAft>
-                <a:spcPct val="0"/>
-              </a:spcAft>
-              <a:defRPr>
-                <a:solidFill>
-                  <a:schemeClr val="tx1"/>
-                </a:solidFill>
-                <a:latin typeface="Arial" charset="0"/>
-                <a:ea typeface="Arial" charset="0"/>
-                <a:cs typeface="Arial" charset="0"/>
-              </a:defRPr>
-            </a:lvl8pPr>
-            <a:lvl9pPr marL="3886200" indent="-228600" eaLnBrk="0" fontAlgn="base" hangingPunct="0">
-              <a:spcBef>
-                <a:spcPct val="0"/>
-              </a:spcBef>
-              <a:spcAft>
-                <a:spcPct val="0"/>
-              </a:spcAft>
-              <a:defRPr>
-                <a:solidFill>
-                  <a:schemeClr val="tx1"/>
-                </a:solidFill>
-                <a:latin typeface="Arial" charset="0"/>
-                <a:ea typeface="Arial" charset="0"/>
-                <a:cs typeface="Arial" charset="0"/>
-              </a:defRPr>
-            </a:lvl9pPr>
-          </a:lstStyle>
-          <a:p>
-            <a:pPr eaLnBrk="1" hangingPunct="1"/>
-            <a:fld id="{530656E7-A614-0C4F-B83C-0DAC1CF5F0D6}" type="datetime1">
-              <a:rPr lang="en-US" smtClean="0">
-                <a:latin typeface="Garamond" charset="0"/>
-              </a:rPr>
-              <a:t>9/12/16</a:t>
-            </a:fld>
-            <a:endParaRPr lang="en-US">
-              <a:latin typeface="Garamond" charset="0"/>
-            </a:endParaRPr>
-          </a:p>
-        </p:txBody>
-      </p:sp>
-      <p:sp>
-        <p:nvSpPr>
-          <p:cNvPr id="5" name="Footer Placeholder 4"/>
-          <p:cNvSpPr>
-            <a:spLocks noGrp="1"/>
-          </p:cNvSpPr>
-          <p:nvPr>
-            <p:ph type="ftr" sz="quarter" idx="11"/>
-          </p:nvPr>
-        </p:nvSpPr>
-        <p:spPr/>
-        <p:txBody>
-          <a:bodyPr/>
-          <a:lstStyle/>
-          <a:p>
-            <a:pPr>
-              <a:defRPr/>
-            </a:pPr>
-            <a:r>
-              <a:rPr lang="en-US" altLang="en-US" smtClean="0"/>
-              <a:t>Microprocessors I:  Lecture 5</a:t>
-            </a:r>
-            <a:endParaRPr lang="en-US" altLang="en-US"/>
-          </a:p>
-        </p:txBody>
-      </p:sp>
-      <p:sp>
-        <p:nvSpPr>
-          <p:cNvPr id="6" name="Slide Number Placeholder 5"/>
-          <p:cNvSpPr>
-            <a:spLocks noGrp="1"/>
-          </p:cNvSpPr>
-          <p:nvPr>
-            <p:ph type="sldNum" sz="quarter" idx="12"/>
-          </p:nvPr>
-        </p:nvSpPr>
-        <p:spPr/>
-        <p:txBody>
-          <a:bodyPr/>
-          <a:lstStyle>
-            <a:lvl1pPr eaLnBrk="0" hangingPunct="0">
-              <a:defRPr>
-                <a:solidFill>
-                  <a:schemeClr val="tx1"/>
-                </a:solidFill>
-                <a:latin typeface="Arial" charset="0"/>
-                <a:ea typeface="ＭＳ Ｐゴシック" charset="0"/>
-                <a:cs typeface="Arial" charset="0"/>
-              </a:defRPr>
-            </a:lvl1pPr>
-            <a:lvl2pPr marL="742950" indent="-285750" eaLnBrk="0" hangingPunct="0">
-              <a:defRPr>
-                <a:solidFill>
-                  <a:schemeClr val="tx1"/>
-                </a:solidFill>
-                <a:latin typeface="Arial" charset="0"/>
-                <a:ea typeface="Arial" charset="0"/>
-                <a:cs typeface="Arial" charset="0"/>
-              </a:defRPr>
-            </a:lvl2pPr>
-            <a:lvl3pPr marL="1143000" indent="-228600" eaLnBrk="0" hangingPunct="0">
-              <a:defRPr>
-                <a:solidFill>
-                  <a:schemeClr val="tx1"/>
-                </a:solidFill>
-                <a:latin typeface="Arial" charset="0"/>
-                <a:ea typeface="Arial" charset="0"/>
-                <a:cs typeface="Arial" charset="0"/>
-              </a:defRPr>
-            </a:lvl3pPr>
-            <a:lvl4pPr marL="1600200" indent="-228600" eaLnBrk="0" hangingPunct="0">
-              <a:defRPr>
-                <a:solidFill>
-                  <a:schemeClr val="tx1"/>
-                </a:solidFill>
-                <a:latin typeface="Arial" charset="0"/>
-                <a:ea typeface="Arial" charset="0"/>
-                <a:cs typeface="Arial" charset="0"/>
-              </a:defRPr>
-            </a:lvl4pPr>
-            <a:lvl5pPr marL="2057400" indent="-228600" eaLnBrk="0" hangingPunct="0">
-              <a:defRPr>
-                <a:solidFill>
-                  <a:schemeClr val="tx1"/>
-                </a:solidFill>
-                <a:latin typeface="Arial" charset="0"/>
-                <a:ea typeface="Arial" charset="0"/>
-                <a:cs typeface="Arial" charset="0"/>
-              </a:defRPr>
-            </a:lvl5pPr>
-            <a:lvl6pPr marL="2514600" indent="-228600" eaLnBrk="0" fontAlgn="base" hangingPunct="0">
-              <a:spcBef>
-                <a:spcPct val="0"/>
-              </a:spcBef>
-              <a:spcAft>
-                <a:spcPct val="0"/>
-              </a:spcAft>
-              <a:defRPr>
-                <a:solidFill>
-                  <a:schemeClr val="tx1"/>
-                </a:solidFill>
-                <a:latin typeface="Arial" charset="0"/>
-                <a:ea typeface="Arial" charset="0"/>
-                <a:cs typeface="Arial" charset="0"/>
-              </a:defRPr>
-            </a:lvl6pPr>
-            <a:lvl7pPr marL="2971800" indent="-228600" eaLnBrk="0" fontAlgn="base" hangingPunct="0">
-              <a:spcBef>
-                <a:spcPct val="0"/>
-              </a:spcBef>
-              <a:spcAft>
-                <a:spcPct val="0"/>
-              </a:spcAft>
-              <a:defRPr>
-                <a:solidFill>
-                  <a:schemeClr val="tx1"/>
-                </a:solidFill>
-                <a:latin typeface="Arial" charset="0"/>
-                <a:ea typeface="Arial" charset="0"/>
-                <a:cs typeface="Arial" charset="0"/>
-              </a:defRPr>
-            </a:lvl7pPr>
-            <a:lvl8pPr marL="3429000" indent="-228600" eaLnBrk="0" fontAlgn="base" hangingPunct="0">
-              <a:spcBef>
-                <a:spcPct val="0"/>
-              </a:spcBef>
-              <a:spcAft>
-                <a:spcPct val="0"/>
-              </a:spcAft>
-              <a:defRPr>
-                <a:solidFill>
-                  <a:schemeClr val="tx1"/>
-                </a:solidFill>
-                <a:latin typeface="Arial" charset="0"/>
-                <a:ea typeface="Arial" charset="0"/>
-                <a:cs typeface="Arial" charset="0"/>
-              </a:defRPr>
-            </a:lvl8pPr>
-            <a:lvl9pPr marL="3886200" indent="-228600" eaLnBrk="0" fontAlgn="base" hangingPunct="0">
-              <a:spcBef>
-                <a:spcPct val="0"/>
-              </a:spcBef>
-              <a:spcAft>
-                <a:spcPct val="0"/>
-              </a:spcAft>
-              <a:defRPr>
-                <a:solidFill>
-                  <a:schemeClr val="tx1"/>
-                </a:solidFill>
-                <a:latin typeface="Arial" charset="0"/>
-                <a:ea typeface="Arial" charset="0"/>
-                <a:cs typeface="Arial" charset="0"/>
-              </a:defRPr>
-            </a:lvl9pPr>
-          </a:lstStyle>
-          <a:p>
-            <a:pPr eaLnBrk="1" hangingPunct="1"/>
-            <a:fld id="{994E7B06-AD0B-954D-BA44-C9DDF4FDB1FB}" type="slidenum">
-              <a:rPr lang="en-US">
-                <a:latin typeface="Garamond" charset="0"/>
-              </a:rPr>
-              <a:pPr eaLnBrk="1" hangingPunct="1"/>
-              <a:t>18</a:t>
-            </a:fld>
-            <a:endParaRPr lang="en-US">
-              <a:latin typeface="Garamond" charset="0"/>
-            </a:endParaRPr>
-          </a:p>
-        </p:txBody>
-      </p:sp>
-    </p:spTree>
-    <p:extLst>
-      <p:ext uri="{BB962C8B-B14F-4D97-AF65-F5344CB8AC3E}">
-        <p14:creationId xmlns:p14="http://schemas.microsoft.com/office/powerpoint/2010/main" val="4175360337"/>
-      </p:ext>
-    </p:extLst>
-  </p:cSld>
-  <p:clrMapOvr>
-    <a:masterClrMapping/>
-  </p:clrMapOvr>
-  <p:timing>
-    <p:tnLst>
-      <p:par>
-        <p:cTn xmlns:p14="http://schemas.microsoft.com/office/powerpoint/2010/main" id="1" dur="indefinite" restart="never" nodeType="tmRoot"/>
-      </p:par>
-    </p:tnLst>
-  </p:timing>
-</p:sld>
-</file>
-
-<file path=ppt/slides/slide19.xml><?xml version="1.0" encoding="utf-8"?>
-<p:sld xmlns:a="http://schemas.openxmlformats.org/drawingml/2006/main" xmlns:r="http://schemas.openxmlformats.org/officeDocument/2006/relationships" xmlns:p="http://schemas.openxmlformats.org/presentationml/2006/main">
-  <p:cSld>
-    <p:spTree>
-      <p:nvGrpSpPr>
-        <p:cNvPr id="1" name=""/>
-        <p:cNvGrpSpPr/>
-        <p:nvPr/>
-      </p:nvGrpSpPr>
-      <p:grpSpPr>
-        <a:xfrm>
-          <a:off x="0" y="0"/>
-          <a:ext cx="0" cy="0"/>
-          <a:chOff x="0" y="0"/>
-          <a:chExt cx="0" cy="0"/>
-        </a:xfrm>
-      </p:grpSpPr>
-      <p:sp>
-        <p:nvSpPr>
-          <p:cNvPr id="19458" name="Title 1"/>
-          <p:cNvSpPr>
-            <a:spLocks noGrp="1"/>
-          </p:cNvSpPr>
-          <p:nvPr>
-            <p:ph type="title"/>
-          </p:nvPr>
-        </p:nvSpPr>
-        <p:spPr/>
-        <p:txBody>
-          <a:bodyPr/>
-          <a:lstStyle/>
-          <a:p>
-            <a:r>
-              <a:rPr lang="en-US">
-                <a:latin typeface="Garamond" charset="0"/>
-              </a:rPr>
-              <a:t>Final notes</a:t>
-            </a:r>
-          </a:p>
-        </p:txBody>
-      </p:sp>
-      <p:sp>
-        <p:nvSpPr>
-          <p:cNvPr id="19459" name="Content Placeholder 2"/>
-          <p:cNvSpPr>
-            <a:spLocks noGrp="1"/>
-          </p:cNvSpPr>
-          <p:nvPr>
-            <p:ph idx="1"/>
-          </p:nvPr>
-        </p:nvSpPr>
-        <p:spPr/>
-        <p:txBody>
-          <a:bodyPr/>
-          <a:lstStyle/>
-          <a:p>
-            <a:r>
-              <a:rPr lang="en-US" dirty="0">
-                <a:latin typeface="Arial" charset="0"/>
-              </a:rPr>
-              <a:t>Next time:</a:t>
-            </a:r>
-          </a:p>
-          <a:p>
-            <a:pPr lvl="1"/>
-            <a:r>
-              <a:rPr lang="en-US" dirty="0">
-                <a:latin typeface="Arial" charset="0"/>
-              </a:rPr>
-              <a:t>Finish data transfer instructions</a:t>
-            </a:r>
-          </a:p>
-          <a:p>
-            <a:pPr lvl="1"/>
-            <a:r>
-              <a:rPr lang="en-US" dirty="0">
-                <a:latin typeface="Arial" charset="0"/>
-              </a:rPr>
-              <a:t>Arithmetic instructions</a:t>
-            </a:r>
-          </a:p>
-          <a:p>
-            <a:r>
-              <a:rPr lang="en-US" dirty="0">
-                <a:latin typeface="Arial" charset="0"/>
-              </a:rPr>
-              <a:t>Reminders:</a:t>
-            </a:r>
-          </a:p>
-          <a:p>
-            <a:pPr lvl="1"/>
-            <a:r>
-              <a:rPr lang="en-US" dirty="0">
-                <a:latin typeface="Arial" charset="0"/>
-              </a:rPr>
-              <a:t>HW 1 due 1:00 PM today</a:t>
-            </a:r>
-          </a:p>
-          <a:p>
-            <a:pPr lvl="1"/>
-            <a:r>
-              <a:rPr lang="en-US">
-                <a:latin typeface="Arial" charset="0"/>
-              </a:rPr>
-              <a:t>HW 2 to be posted; due 1:00 PM, Friday, 2/5</a:t>
-            </a:r>
-          </a:p>
-          <a:p>
-            <a:pPr lvl="1"/>
-            <a:endParaRPr lang="en-US" dirty="0">
-              <a:latin typeface="Arial" charset="0"/>
-            </a:endParaRPr>
-          </a:p>
-        </p:txBody>
-      </p:sp>
-      <p:sp>
-        <p:nvSpPr>
-          <p:cNvPr id="4" name="Date Placeholder 3"/>
-          <p:cNvSpPr>
-            <a:spLocks noGrp="1"/>
-          </p:cNvSpPr>
-          <p:nvPr>
-            <p:ph type="dt" sz="quarter" idx="10"/>
-          </p:nvPr>
-        </p:nvSpPr>
-        <p:spPr/>
-        <p:txBody>
-          <a:bodyPr/>
-          <a:lstStyle>
-            <a:lvl1pPr eaLnBrk="0" hangingPunct="0">
-              <a:defRPr>
-                <a:solidFill>
-                  <a:schemeClr val="tx1"/>
-                </a:solidFill>
-                <a:latin typeface="Arial" charset="0"/>
-                <a:ea typeface="ＭＳ Ｐゴシック" charset="0"/>
-                <a:cs typeface="Arial" charset="0"/>
-              </a:defRPr>
-            </a:lvl1pPr>
-            <a:lvl2pPr marL="742950" indent="-285750" eaLnBrk="0" hangingPunct="0">
-              <a:defRPr>
-                <a:solidFill>
-                  <a:schemeClr val="tx1"/>
-                </a:solidFill>
-                <a:latin typeface="Arial" charset="0"/>
-                <a:ea typeface="Arial" charset="0"/>
-                <a:cs typeface="Arial" charset="0"/>
-              </a:defRPr>
-            </a:lvl2pPr>
-            <a:lvl3pPr marL="1143000" indent="-228600" eaLnBrk="0" hangingPunct="0">
-              <a:defRPr>
-                <a:solidFill>
-                  <a:schemeClr val="tx1"/>
-                </a:solidFill>
-                <a:latin typeface="Arial" charset="0"/>
-                <a:ea typeface="Arial" charset="0"/>
-                <a:cs typeface="Arial" charset="0"/>
-              </a:defRPr>
-            </a:lvl3pPr>
-            <a:lvl4pPr marL="1600200" indent="-228600" eaLnBrk="0" hangingPunct="0">
-              <a:defRPr>
-                <a:solidFill>
-                  <a:schemeClr val="tx1"/>
-                </a:solidFill>
-                <a:latin typeface="Arial" charset="0"/>
-                <a:ea typeface="Arial" charset="0"/>
-                <a:cs typeface="Arial" charset="0"/>
-              </a:defRPr>
-            </a:lvl4pPr>
-            <a:lvl5pPr marL="2057400" indent="-228600" eaLnBrk="0" hangingPunct="0">
-              <a:defRPr>
-                <a:solidFill>
-                  <a:schemeClr val="tx1"/>
-                </a:solidFill>
-                <a:latin typeface="Arial" charset="0"/>
-                <a:ea typeface="Arial" charset="0"/>
-                <a:cs typeface="Arial" charset="0"/>
-              </a:defRPr>
-            </a:lvl5pPr>
-            <a:lvl6pPr marL="2514600" indent="-228600" eaLnBrk="0" fontAlgn="base" hangingPunct="0">
-              <a:spcBef>
-                <a:spcPct val="0"/>
-              </a:spcBef>
-              <a:spcAft>
-                <a:spcPct val="0"/>
-              </a:spcAft>
-              <a:defRPr>
-                <a:solidFill>
-                  <a:schemeClr val="tx1"/>
-                </a:solidFill>
-                <a:latin typeface="Arial" charset="0"/>
-                <a:ea typeface="Arial" charset="0"/>
-                <a:cs typeface="Arial" charset="0"/>
-              </a:defRPr>
-            </a:lvl6pPr>
-            <a:lvl7pPr marL="2971800" indent="-228600" eaLnBrk="0" fontAlgn="base" hangingPunct="0">
-              <a:spcBef>
-                <a:spcPct val="0"/>
-              </a:spcBef>
-              <a:spcAft>
-                <a:spcPct val="0"/>
-              </a:spcAft>
-              <a:defRPr>
-                <a:solidFill>
-                  <a:schemeClr val="tx1"/>
-                </a:solidFill>
-                <a:latin typeface="Arial" charset="0"/>
-                <a:ea typeface="Arial" charset="0"/>
-                <a:cs typeface="Arial" charset="0"/>
-              </a:defRPr>
-            </a:lvl7pPr>
-            <a:lvl8pPr marL="3429000" indent="-228600" eaLnBrk="0" fontAlgn="base" hangingPunct="0">
-              <a:spcBef>
-                <a:spcPct val="0"/>
-              </a:spcBef>
-              <a:spcAft>
-                <a:spcPct val="0"/>
-              </a:spcAft>
-              <a:defRPr>
-                <a:solidFill>
-                  <a:schemeClr val="tx1"/>
-                </a:solidFill>
-                <a:latin typeface="Arial" charset="0"/>
-                <a:ea typeface="Arial" charset="0"/>
-                <a:cs typeface="Arial" charset="0"/>
-              </a:defRPr>
-            </a:lvl8pPr>
-            <a:lvl9pPr marL="3886200" indent="-228600" eaLnBrk="0" fontAlgn="base" hangingPunct="0">
-              <a:spcBef>
-                <a:spcPct val="0"/>
-              </a:spcBef>
-              <a:spcAft>
-                <a:spcPct val="0"/>
-              </a:spcAft>
-              <a:defRPr>
-                <a:solidFill>
-                  <a:schemeClr val="tx1"/>
-                </a:solidFill>
-                <a:latin typeface="Arial" charset="0"/>
-                <a:ea typeface="Arial" charset="0"/>
-                <a:cs typeface="Arial" charset="0"/>
-              </a:defRPr>
-            </a:lvl9pPr>
-          </a:lstStyle>
-          <a:p>
-            <a:pPr eaLnBrk="1" hangingPunct="1"/>
-            <a:fld id="{88724D82-753B-494D-AC47-B85B7CAD6E6C}" type="datetime1">
-              <a:rPr lang="en-US" smtClean="0">
-                <a:latin typeface="Garamond" charset="0"/>
-              </a:rPr>
-              <a:t>9/12/16</a:t>
-            </a:fld>
-            <a:endParaRPr lang="en-US">
-              <a:latin typeface="Garamond" charset="0"/>
-            </a:endParaRPr>
-          </a:p>
-        </p:txBody>
-      </p:sp>
-      <p:sp>
-        <p:nvSpPr>
-          <p:cNvPr id="5" name="Footer Placeholder 4"/>
-          <p:cNvSpPr>
-            <a:spLocks noGrp="1"/>
-          </p:cNvSpPr>
-          <p:nvPr>
-            <p:ph type="ftr" sz="quarter" idx="11"/>
-          </p:nvPr>
-        </p:nvSpPr>
-        <p:spPr/>
-        <p:txBody>
-          <a:bodyPr/>
-          <a:lstStyle/>
-          <a:p>
-            <a:pPr>
-              <a:defRPr/>
-            </a:pPr>
-            <a:r>
-              <a:rPr lang="en-US" altLang="en-US" smtClean="0"/>
-              <a:t>Microprocessors I:  Lecture 5</a:t>
-            </a:r>
-            <a:endParaRPr lang="en-US" altLang="en-US"/>
-          </a:p>
-        </p:txBody>
-      </p:sp>
-      <p:sp>
-        <p:nvSpPr>
-          <p:cNvPr id="6" name="Slide Number Placeholder 5"/>
-          <p:cNvSpPr>
-            <a:spLocks noGrp="1"/>
-          </p:cNvSpPr>
-          <p:nvPr>
-            <p:ph type="sldNum" sz="quarter" idx="12"/>
-          </p:nvPr>
-        </p:nvSpPr>
-        <p:spPr/>
-        <p:txBody>
-          <a:bodyPr/>
-          <a:lstStyle>
-            <a:lvl1pPr eaLnBrk="0" hangingPunct="0">
-              <a:defRPr>
-                <a:solidFill>
-                  <a:schemeClr val="tx1"/>
-                </a:solidFill>
-                <a:latin typeface="Arial" charset="0"/>
-                <a:ea typeface="ＭＳ Ｐゴシック" charset="0"/>
-                <a:cs typeface="Arial" charset="0"/>
-              </a:defRPr>
-            </a:lvl1pPr>
-            <a:lvl2pPr marL="742950" indent="-285750" eaLnBrk="0" hangingPunct="0">
-              <a:defRPr>
-                <a:solidFill>
-                  <a:schemeClr val="tx1"/>
-                </a:solidFill>
-                <a:latin typeface="Arial" charset="0"/>
-                <a:ea typeface="Arial" charset="0"/>
-                <a:cs typeface="Arial" charset="0"/>
-              </a:defRPr>
-            </a:lvl2pPr>
-            <a:lvl3pPr marL="1143000" indent="-228600" eaLnBrk="0" hangingPunct="0">
-              <a:defRPr>
-                <a:solidFill>
-                  <a:schemeClr val="tx1"/>
-                </a:solidFill>
-                <a:latin typeface="Arial" charset="0"/>
-                <a:ea typeface="Arial" charset="0"/>
-                <a:cs typeface="Arial" charset="0"/>
-              </a:defRPr>
-            </a:lvl3pPr>
-            <a:lvl4pPr marL="1600200" indent="-228600" eaLnBrk="0" hangingPunct="0">
-              <a:defRPr>
-                <a:solidFill>
-                  <a:schemeClr val="tx1"/>
-                </a:solidFill>
-                <a:latin typeface="Arial" charset="0"/>
-                <a:ea typeface="Arial" charset="0"/>
-                <a:cs typeface="Arial" charset="0"/>
-              </a:defRPr>
-            </a:lvl4pPr>
-            <a:lvl5pPr marL="2057400" indent="-228600" eaLnBrk="0" hangingPunct="0">
-              <a:defRPr>
-                <a:solidFill>
-                  <a:schemeClr val="tx1"/>
-                </a:solidFill>
-                <a:latin typeface="Arial" charset="0"/>
-                <a:ea typeface="Arial" charset="0"/>
-                <a:cs typeface="Arial" charset="0"/>
-              </a:defRPr>
-            </a:lvl5pPr>
-            <a:lvl6pPr marL="2514600" indent="-228600" eaLnBrk="0" fontAlgn="base" hangingPunct="0">
-              <a:spcBef>
-                <a:spcPct val="0"/>
-              </a:spcBef>
-              <a:spcAft>
-                <a:spcPct val="0"/>
-              </a:spcAft>
-              <a:defRPr>
-                <a:solidFill>
-                  <a:schemeClr val="tx1"/>
-                </a:solidFill>
-                <a:latin typeface="Arial" charset="0"/>
-                <a:ea typeface="Arial" charset="0"/>
-                <a:cs typeface="Arial" charset="0"/>
-              </a:defRPr>
-            </a:lvl6pPr>
-            <a:lvl7pPr marL="2971800" indent="-228600" eaLnBrk="0" fontAlgn="base" hangingPunct="0">
-              <a:spcBef>
-                <a:spcPct val="0"/>
-              </a:spcBef>
-              <a:spcAft>
-                <a:spcPct val="0"/>
-              </a:spcAft>
-              <a:defRPr>
-                <a:solidFill>
-                  <a:schemeClr val="tx1"/>
-                </a:solidFill>
-                <a:latin typeface="Arial" charset="0"/>
-                <a:ea typeface="Arial" charset="0"/>
-                <a:cs typeface="Arial" charset="0"/>
-              </a:defRPr>
-            </a:lvl7pPr>
-            <a:lvl8pPr marL="3429000" indent="-228600" eaLnBrk="0" fontAlgn="base" hangingPunct="0">
-              <a:spcBef>
-                <a:spcPct val="0"/>
-              </a:spcBef>
-              <a:spcAft>
-                <a:spcPct val="0"/>
-              </a:spcAft>
-              <a:defRPr>
-                <a:solidFill>
-                  <a:schemeClr val="tx1"/>
-                </a:solidFill>
-                <a:latin typeface="Arial" charset="0"/>
-                <a:ea typeface="Arial" charset="0"/>
-                <a:cs typeface="Arial" charset="0"/>
-              </a:defRPr>
-            </a:lvl8pPr>
-            <a:lvl9pPr marL="3886200" indent="-228600" eaLnBrk="0" fontAlgn="base" hangingPunct="0">
-              <a:spcBef>
-                <a:spcPct val="0"/>
-              </a:spcBef>
-              <a:spcAft>
-                <a:spcPct val="0"/>
-              </a:spcAft>
-              <a:defRPr>
-                <a:solidFill>
-                  <a:schemeClr val="tx1"/>
-                </a:solidFill>
-                <a:latin typeface="Arial" charset="0"/>
-                <a:ea typeface="Arial" charset="0"/>
-                <a:cs typeface="Arial" charset="0"/>
-              </a:defRPr>
-            </a:lvl9pPr>
-          </a:lstStyle>
-          <a:p>
-            <a:pPr eaLnBrk="1" hangingPunct="1"/>
             <a:fld id="{7318A6F9-97BD-0640-AE56-DA2FF8060FFA}" type="slidenum">
               <a:rPr lang="en-US">
                 <a:latin typeface="Garamond" charset="0"/>
               </a:rPr>
               <a:pPr eaLnBrk="1" hangingPunct="1"/>
-              <a:t>19</a:t>
+              <a:t>17</a:t>
             </a:fld>
             <a:endParaRPr lang="en-US">
               <a:latin typeface="Garamond" charset="0"/>
@@ -13167,40 +11578,16 @@
               <a:rPr lang="en-US" dirty="0" smtClean="0">
                 <a:latin typeface="Arial" charset="0"/>
               </a:rPr>
-              <a:t>due </a:t>
-            </a:r>
+              <a:t>due 2:00 PM today</a:t>
+            </a:r>
+          </a:p>
+          <a:p>
+            <a:pPr lvl="1"/>
             <a:r>
               <a:rPr lang="en-US" dirty="0" smtClean="0">
                 <a:latin typeface="Arial" charset="0"/>
               </a:rPr>
-              <a:t>2:</a:t>
-            </a:r>
-            <a:r>
-              <a:rPr lang="en-US" dirty="0" smtClean="0">
-                <a:latin typeface="Arial" charset="0"/>
-              </a:rPr>
-              <a:t>00 PM today</a:t>
-            </a:r>
-          </a:p>
-          <a:p>
-            <a:pPr lvl="1"/>
-            <a:r>
-              <a:rPr lang="en-US" dirty="0" smtClean="0">
-                <a:latin typeface="Arial" charset="0"/>
-              </a:rPr>
-              <a:t>HW 2 to be posted; due </a:t>
-            </a:r>
-            <a:r>
-              <a:rPr lang="en-US" dirty="0" smtClean="0">
-                <a:latin typeface="Arial" charset="0"/>
-              </a:rPr>
-              <a:t>2:</a:t>
-            </a:r>
-            <a:r>
-              <a:rPr lang="en-US" dirty="0" smtClean="0">
-                <a:latin typeface="Arial" charset="0"/>
-              </a:rPr>
-              <a:t>00 PM, </a:t>
+              <a:t>HW 2 to be posted; due 2:00 PM, </a:t>
             </a:r>
             <a:r>
               <a:rPr lang="en-US" smtClean="0">
@@ -13387,7 +11774,7 @@
               <a:rPr lang="en-US" smtClean="0">
                 <a:latin typeface="Garamond" charset="0"/>
               </a:rPr>
-              <a:t>9/12/16</a:t>
+              <a:t>9/14/16</a:t>
             </a:fld>
             <a:endParaRPr lang="en-US">
               <a:latin typeface="Garamond" charset="0"/>
@@ -13654,7 +12041,7 @@
           <a:lstStyle/>
           <a:p>
             <a:r>
-              <a:rPr lang="en-US" sz="2800">
+              <a:rPr lang="en-US" sz="2800" dirty="0">
                 <a:latin typeface="Arial" charset="0"/>
               </a:rPr>
               <a:t>Refresher on x86 registers</a:t>
@@ -13663,7 +12050,7 @@
           <a:p>
             <a:pPr lvl="1"/>
             <a:r>
-              <a:rPr lang="en-US" sz="2400">
+              <a:rPr lang="en-US" sz="2400" dirty="0">
                 <a:latin typeface="Arial" charset="0"/>
               </a:rPr>
               <a:t>Gen. purpose registers: 16 or 32 bits</a:t>
@@ -13672,7 +12059,7 @@
           <a:p>
             <a:pPr lvl="1"/>
             <a:r>
-              <a:rPr lang="en-US" sz="2400">
+              <a:rPr lang="en-US" sz="2400" dirty="0">
                 <a:latin typeface="Arial" charset="0"/>
               </a:rPr>
               <a:t>Data registers can hold 8 bit data as well</a:t>
@@ -13681,7 +12068,7 @@
           <a:p>
             <a:pPr lvl="1"/>
             <a:r>
-              <a:rPr lang="en-US" sz="2400">
+              <a:rPr lang="en-US" sz="2400" dirty="0">
                 <a:latin typeface="Arial" charset="0"/>
               </a:rPr>
               <a:t>Determining size: register name</a:t>
@@ -13690,31 +12077,31 @@
           <a:p>
             <a:pPr lvl="1"/>
             <a:r>
-              <a:rPr lang="en-US" sz="2400">
+              <a:rPr lang="en-US" sz="2400" dirty="0">
                 <a:latin typeface="Arial" charset="0"/>
               </a:rPr>
               <a:t>Example: </a:t>
             </a:r>
             <a:r>
-              <a:rPr lang="ja-JP" altLang="en-US" sz="2400">
+              <a:rPr lang="ja-JP" altLang="en-US" sz="2400" dirty="0">
                 <a:latin typeface="Arial" charset="0"/>
               </a:rPr>
               <a:t>“</a:t>
             </a:r>
             <a:r>
-              <a:rPr lang="en-US" sz="2400">
+              <a:rPr lang="en-US" sz="2400" dirty="0">
                 <a:latin typeface="Arial" charset="0"/>
               </a:rPr>
               <a:t>accumulator</a:t>
             </a:r>
             <a:r>
-              <a:rPr lang="ja-JP" altLang="en-US" sz="2400">
+              <a:rPr lang="ja-JP" altLang="en-US" sz="2400" dirty="0">
                 <a:latin typeface="Arial" charset="0"/>
               </a:rPr>
               <a:t>”</a:t>
             </a:r>
             <a:r>
-              <a:rPr lang="en-US" sz="2400">
+              <a:rPr lang="en-US" sz="2400" dirty="0">
                 <a:latin typeface="Arial" charset="0"/>
               </a:rPr>
               <a:t> register</a:t>
@@ -13723,7 +12110,7 @@
           <a:p>
             <a:pPr lvl="2"/>
             <a:r>
-              <a:rPr lang="en-US" sz="2000">
+              <a:rPr lang="en-US" sz="2000" dirty="0">
                 <a:latin typeface="Arial" charset="0"/>
               </a:rPr>
               <a:t>8 bit data: AL = lowest byte; AH = next lowest byte</a:t>
@@ -13732,7 +12119,7 @@
           <a:p>
             <a:pPr lvl="2"/>
             <a:r>
-              <a:rPr lang="en-US" sz="2000">
+              <a:rPr lang="en-US" sz="2000" dirty="0">
                 <a:latin typeface="Arial" charset="0"/>
               </a:rPr>
               <a:t>16 bit data: AX = lowest 16 bits (AH/AL together as word)</a:t>
@@ -13741,7 +12128,7 @@
           <a:p>
             <a:pPr lvl="2"/>
             <a:r>
-              <a:rPr lang="en-US" sz="2000">
+              <a:rPr lang="en-US" sz="2000" dirty="0">
                 <a:latin typeface="Arial" charset="0"/>
               </a:rPr>
               <a:t>32 bit data: EAX = entire 32 bits</a:t>
@@ -13749,16 +12136,25 @@
           </a:p>
           <a:p>
             <a:r>
-              <a:rPr lang="en-US" sz="2800">
-                <a:latin typeface="Arial" charset="0"/>
-              </a:rPr>
-              <a:t>Say EAX = 1A2B3C4DH</a:t>
-            </a:r>
+              <a:rPr lang="en-US" sz="2800" dirty="0">
+                <a:latin typeface="Arial" charset="0"/>
+              </a:rPr>
+              <a:t>Say EAX = </a:t>
+            </a:r>
+            <a:r>
+              <a:rPr lang="en-US" sz="2800" dirty="0" smtClean="0">
+                <a:latin typeface="Arial" charset="0"/>
+              </a:rPr>
+              <a:t>0x1A2B3C4D</a:t>
+            </a:r>
+            <a:endParaRPr lang="en-US" sz="2800" dirty="0">
+              <a:latin typeface="Arial" charset="0"/>
+            </a:endParaRPr>
           </a:p>
           <a:p>
             <a:pPr lvl="1"/>
             <a:r>
-              <a:rPr lang="en-US" sz="2400">
+              <a:rPr lang="en-US" sz="2400" dirty="0">
                 <a:latin typeface="Arial" charset="0"/>
               </a:rPr>
               <a:t>What are AL, AH, and AX?</a:t>
@@ -13767,7 +12163,7 @@
           <a:p>
             <a:pPr lvl="1"/>
             <a:r>
-              <a:rPr lang="en-US" sz="2400">
+              <a:rPr lang="en-US" sz="2400" dirty="0">
                 <a:solidFill>
                   <a:srgbClr val="FF0000"/>
                 </a:solidFill>
@@ -13913,7 +12309,7 @@
               <a:rPr lang="en-US" smtClean="0">
                 <a:latin typeface="Garamond" charset="0"/>
               </a:rPr>
-              <a:t>9/12/16</a:t>
+              <a:t>9/14/16</a:t>
             </a:fld>
             <a:endParaRPr lang="en-US">
               <a:latin typeface="Garamond" charset="0"/>
@@ -14548,7 +12944,7 @@
               <a:rPr lang="en-US" smtClean="0">
                 <a:latin typeface="Garamond" charset="0"/>
               </a:rPr>
-              <a:t>9/12/16</a:t>
+              <a:t>9/14/16</a:t>
             </a:fld>
             <a:endParaRPr lang="en-US">
               <a:latin typeface="Garamond" charset="0"/>
@@ -15130,7 +13526,7 @@
               <a:rPr lang="en-US" smtClean="0">
                 <a:latin typeface="Garamond" charset="0"/>
               </a:rPr>
-              <a:t>9/12/16</a:t>
+              <a:t>9/14/16</a:t>
             </a:fld>
             <a:endParaRPr lang="en-US">
               <a:latin typeface="Garamond" charset="0"/>
@@ -15464,13 +13860,7 @@
               <a:rPr lang="en-US" dirty="0" smtClean="0">
                 <a:latin typeface="Arial" charset="0"/>
               </a:rPr>
-              <a:t>0x</a:t>
-            </a:r>
-            <a:r>
-              <a:rPr lang="en-US" dirty="0" smtClean="0">
-                <a:latin typeface="Arial" charset="0"/>
-              </a:rPr>
-              <a:t>00000100</a:t>
+              <a:t>0x00000100</a:t>
             </a:r>
             <a:endParaRPr lang="en-US" dirty="0">
               <a:latin typeface="Arial" charset="0"/>
@@ -15753,7 +14143,7 @@
               <a:rPr lang="en-US" smtClean="0">
                 <a:latin typeface="Garamond" charset="0"/>
               </a:rPr>
-              <a:t>9/12/16</a:t>
+              <a:t>9/14/16</a:t>
             </a:fld>
             <a:endParaRPr lang="en-US">
               <a:latin typeface="Garamond" charset="0"/>
@@ -16030,19 +14420,7 @@
               <a:rPr lang="en-US" sz="2800" dirty="0" smtClean="0">
                 <a:ea typeface="+mn-ea"/>
               </a:rPr>
-              <a:t>[EBX</a:t>
-            </a:r>
-            <a:r>
-              <a:rPr lang="en-US" sz="2800" dirty="0" smtClean="0">
-                <a:ea typeface="+mn-ea"/>
-              </a:rPr>
-              <a:t>+0x0400]</a:t>
-            </a:r>
-            <a:r>
-              <a:rPr lang="en-US" sz="2800" dirty="0" smtClean="0">
-                <a:ea typeface="+mn-ea"/>
-              </a:rPr>
-              <a:t>, CX</a:t>
+              <a:t>[EBX+0x0400], CX</a:t>
             </a:r>
           </a:p>
           <a:p>
@@ -16065,15 +14443,7 @@
                   <a:srgbClr val="FF0000"/>
                 </a:solidFill>
               </a:rPr>
-              <a:t> = value in EBX + </a:t>
-            </a:r>
-            <a:r>
-              <a:rPr lang="en-US" sz="2400" dirty="0" smtClean="0">
-                <a:solidFill>
-                  <a:srgbClr val="FF0000"/>
-                </a:solidFill>
-              </a:rPr>
-              <a:t>0x0400</a:t>
+              <a:t> = value in EBX + 0x0400</a:t>
             </a:r>
             <a:endParaRPr lang="en-US" sz="2400" dirty="0">
               <a:solidFill>
@@ -16093,53 +14463,8 @@
                   <a:srgbClr val="FF0000"/>
                 </a:solidFill>
               </a:rPr>
-              <a:t>		= </a:t>
-            </a:r>
-            <a:r>
-              <a:rPr lang="en-US" sz="2400" dirty="0" smtClean="0">
-                <a:solidFill>
-                  <a:srgbClr val="FF0000"/>
-                </a:solidFill>
-              </a:rPr>
-              <a:t>0x00000300h </a:t>
-            </a:r>
-            <a:r>
-              <a:rPr lang="en-US" sz="2400" dirty="0" smtClean="0">
-                <a:solidFill>
-                  <a:srgbClr val="FF0000"/>
-                </a:solidFill>
-              </a:rPr>
-              <a:t>+ </a:t>
-            </a:r>
-            <a:r>
-              <a:rPr lang="en-US" sz="2400" dirty="0" smtClean="0">
-                <a:solidFill>
-                  <a:srgbClr val="FF0000"/>
-                </a:solidFill>
-              </a:rPr>
-              <a:t>0x0400 </a:t>
-            </a:r>
-            <a:r>
-              <a:rPr lang="en-US" sz="2400" dirty="0" smtClean="0">
-                <a:solidFill>
-                  <a:srgbClr val="FF0000"/>
-                </a:solidFill>
-              </a:rPr>
-              <a:t>= </a:t>
-            </a:r>
-            <a:r>
-              <a:rPr lang="en-US" sz="2400" dirty="0" smtClean="0">
-                <a:solidFill>
-                  <a:srgbClr val="FF0000"/>
-                </a:solidFill>
-              </a:rPr>
-              <a:t>0x00000700</a:t>
-            </a:r>
-            <a:endParaRPr lang="en-US" sz="2400" dirty="0" smtClean="0">
-              <a:solidFill>
-                <a:srgbClr val="FF0000"/>
-              </a:solidFill>
-            </a:endParaRPr>
+              <a:t>		= 0x00000300h + 0x0400 = 0x00000700</a:t>
+            </a:r>
           </a:p>
           <a:p>
             <a:pPr>
@@ -16209,37 +14534,8 @@
                   <a:srgbClr val="FF0000"/>
                 </a:solidFill>
               </a:rPr>
-              <a:t>	= </a:t>
-            </a:r>
-            <a:r>
-              <a:rPr lang="en-US" sz="2400" dirty="0" smtClean="0">
-                <a:solidFill>
-                  <a:srgbClr val="FF0000"/>
-                </a:solidFill>
-              </a:rPr>
-              <a:t>0x00000200 </a:t>
-            </a:r>
-            <a:r>
-              <a:rPr lang="en-US" sz="2400" dirty="0" smtClean="0">
-                <a:solidFill>
-                  <a:srgbClr val="FF0000"/>
-                </a:solidFill>
-              </a:rPr>
-              <a:t>+ 2 * </a:t>
-            </a:r>
-            <a:r>
-              <a:rPr lang="en-US" sz="2400" dirty="0" smtClean="0">
-                <a:solidFill>
-                  <a:srgbClr val="FF0000"/>
-                </a:solidFill>
-              </a:rPr>
-              <a:t>0x00000300 </a:t>
-            </a:r>
-            <a:endParaRPr lang="en-US" sz="2400" dirty="0" smtClean="0">
-              <a:solidFill>
-                <a:srgbClr val="FF0000"/>
-              </a:solidFill>
-            </a:endParaRPr>
+              <a:t>	= 0x00000200 + 2 * 0x00000300 </a:t>
+            </a:r>
           </a:p>
           <a:p>
             <a:pPr marL="344487" lvl="1" indent="0">
@@ -16253,37 +14549,8 @@
                   <a:srgbClr val="FF0000"/>
                 </a:solidFill>
               </a:rPr>
-              <a:t>		= </a:t>
-            </a:r>
-            <a:r>
-              <a:rPr lang="en-US" sz="2400" dirty="0" smtClean="0">
-                <a:solidFill>
-                  <a:srgbClr val="FF0000"/>
-                </a:solidFill>
-              </a:rPr>
-              <a:t>0x00000200 </a:t>
-            </a:r>
-            <a:r>
-              <a:rPr lang="en-US" sz="2400" dirty="0" smtClean="0">
-                <a:solidFill>
-                  <a:srgbClr val="FF0000"/>
-                </a:solidFill>
-              </a:rPr>
-              <a:t>+ </a:t>
-            </a:r>
-            <a:r>
-              <a:rPr lang="en-US" sz="2400" dirty="0" smtClean="0">
-                <a:solidFill>
-                  <a:srgbClr val="FF0000"/>
-                </a:solidFill>
-              </a:rPr>
-              <a:t>0x00000600 = 0x00000800</a:t>
-            </a:r>
-            <a:endParaRPr lang="en-US" sz="2400" dirty="0" smtClean="0">
-              <a:solidFill>
-                <a:srgbClr val="FF0000"/>
-              </a:solidFill>
-            </a:endParaRPr>
+              <a:t>		= 0x00000200 + 0x00000600 = 0x00000800</a:t>
+            </a:r>
           </a:p>
           <a:p>
             <a:pPr>
@@ -16330,21 +14597,8 @@
                   <a:srgbClr val="FF0000"/>
                 </a:solidFill>
               </a:rPr>
-              <a:t> = EBX + EDI + </a:t>
-            </a:r>
-            <a:r>
-              <a:rPr lang="en-US" sz="2400" dirty="0" smtClean="0">
-                <a:solidFill>
-                  <a:srgbClr val="FF0000"/>
-                </a:solidFill>
-              </a:rPr>
-              <a:t>0x0400 </a:t>
-            </a:r>
-            <a:endParaRPr lang="en-US" sz="2400" dirty="0" smtClean="0">
-              <a:solidFill>
-                <a:srgbClr val="FF0000"/>
-              </a:solidFill>
-            </a:endParaRPr>
+              <a:t> = EBX + EDI + 0x0400 </a:t>
+            </a:r>
           </a:p>
           <a:p>
             <a:pPr marL="344487" lvl="1" indent="0">
@@ -16366,47 +14620,7 @@
                   <a:srgbClr val="FF0000"/>
                 </a:solidFill>
               </a:rPr>
-              <a:t>= </a:t>
-            </a:r>
-            <a:r>
-              <a:rPr lang="en-US" sz="2400" dirty="0" smtClean="0">
-                <a:solidFill>
-                  <a:srgbClr val="FF0000"/>
-                </a:solidFill>
-              </a:rPr>
-              <a:t>0x00000300 </a:t>
-            </a:r>
-            <a:r>
-              <a:rPr lang="en-US" sz="2400" dirty="0" smtClean="0">
-                <a:solidFill>
-                  <a:srgbClr val="FF0000"/>
-                </a:solidFill>
-              </a:rPr>
-              <a:t>+ </a:t>
-            </a:r>
-            <a:r>
-              <a:rPr lang="en-US" sz="2400" dirty="0" smtClean="0">
-                <a:solidFill>
-                  <a:srgbClr val="FF0000"/>
-                </a:solidFill>
-              </a:rPr>
-              <a:t>0x00000200 </a:t>
-            </a:r>
-            <a:r>
-              <a:rPr lang="en-US" sz="2400" dirty="0" smtClean="0">
-                <a:solidFill>
-                  <a:srgbClr val="FF0000"/>
-                </a:solidFill>
-              </a:rPr>
-              <a:t>+ </a:t>
-            </a:r>
-            <a:r>
-              <a:rPr lang="en-US" sz="2400" dirty="0" smtClean="0">
-                <a:solidFill>
-                  <a:srgbClr val="FF0000"/>
-                </a:solidFill>
-              </a:rPr>
-              <a:t>0x0400 </a:t>
+              <a:t>= 0x00000300 + 0x00000200 + 0x0400 </a:t>
             </a:r>
           </a:p>
           <a:p>
@@ -16431,11 +14645,6 @@
               </a:rPr>
               <a:t>= 0x00000900</a:t>
             </a:r>
-            <a:endParaRPr lang="en-US" sz="2400" dirty="0" smtClean="0">
-              <a:solidFill>
-                <a:srgbClr val="FF0000"/>
-              </a:solidFill>
-            </a:endParaRPr>
           </a:p>
           <a:p>
             <a:pPr>
@@ -16584,7 +14793,7 @@
               <a:rPr lang="en-US" smtClean="0">
                 <a:latin typeface="Garamond" charset="0"/>
               </a:rPr>
-              <a:t>9/12/16</a:t>
+              <a:t>9/14/16</a:t>
             </a:fld>
             <a:endParaRPr lang="en-US">
               <a:latin typeface="Garamond" charset="0"/>
@@ -17111,7 +15320,7 @@
               <a:rPr lang="en-US" smtClean="0">
                 <a:latin typeface="Garamond" charset="0"/>
               </a:rPr>
-              <a:t>9/12/16</a:t>
+              <a:t>9/14/16</a:t>
             </a:fld>
             <a:endParaRPr lang="en-US">
               <a:latin typeface="Garamond" charset="0"/>
@@ -17751,7 +15960,7 @@
               <a:rPr lang="en-US" smtClean="0">
                 <a:latin typeface="Garamond" charset="0"/>
               </a:rPr>
-              <a:t>9/12/16</a:t>
+              <a:t>9/14/16</a:t>
             </a:fld>
             <a:endParaRPr lang="en-US">
               <a:latin typeface="Garamond" charset="0"/>
